--- a/(36)Pre-defind function in set.pptx
+++ b/(36)Pre-defind function in set.pptx
@@ -25,6 +25,11 @@
     <p:sldId id="273" r:id="rId19"/>
     <p:sldId id="274" r:id="rId20"/>
     <p:sldId id="275" r:id="rId21"/>
+    <p:sldId id="280" r:id="rId22"/>
+    <p:sldId id="276" r:id="rId23"/>
+    <p:sldId id="277" r:id="rId24"/>
+    <p:sldId id="278" r:id="rId25"/>
+    <p:sldId id="279" r:id="rId26"/>
   </p:sldIdLst>
   <p:sldSz cx="9144000" cy="6858000" type="screen4x3"/>
   <p:notesSz cx="6858000" cy="9144000"/>
@@ -374,7 +379,8 @@
           <a:p>
             <a:fld id="{127B4F82-42CE-45D1-AADD-D07C723859E8}" type="datetimeFigureOut">
               <a:rPr lang="en-US" smtClean="0"/>
-              <a:t>12/5/2024</a:t>
+              <a:pPr/>
+              <a:t>12/6/2024</a:t>
             </a:fld>
             <a:endParaRPr lang="en-US"/>
           </a:p>
@@ -416,6 +422,7 @@
           <a:p>
             <a:fld id="{96B0853C-A18F-4CC1-9197-22C47C93E2D7}" type="slidenum">
               <a:rPr lang="en-US" smtClean="0"/>
+              <a:pPr/>
               <a:t>‹#›</a:t>
             </a:fld>
             <a:endParaRPr lang="en-US"/>
@@ -597,7 +604,8 @@
           <a:p>
             <a:fld id="{127B4F82-42CE-45D1-AADD-D07C723859E8}" type="datetimeFigureOut">
               <a:rPr lang="en-US" smtClean="0"/>
-              <a:t>12/5/2024</a:t>
+              <a:pPr/>
+              <a:t>12/6/2024</a:t>
             </a:fld>
             <a:endParaRPr lang="en-US"/>
           </a:p>
@@ -639,6 +647,7 @@
           <a:p>
             <a:fld id="{96B0853C-A18F-4CC1-9197-22C47C93E2D7}" type="slidenum">
               <a:rPr lang="en-US" smtClean="0"/>
+              <a:pPr/>
               <a:t>‹#›</a:t>
             </a:fld>
             <a:endParaRPr lang="en-US"/>
@@ -877,7 +886,8 @@
           <a:p>
             <a:fld id="{127B4F82-42CE-45D1-AADD-D07C723859E8}" type="datetimeFigureOut">
               <a:rPr lang="en-US" smtClean="0"/>
-              <a:t>12/5/2024</a:t>
+              <a:pPr/>
+              <a:t>12/6/2024</a:t>
             </a:fld>
             <a:endParaRPr lang="en-US"/>
           </a:p>
@@ -924,6 +934,7 @@
           <a:p>
             <a:fld id="{96B0853C-A18F-4CC1-9197-22C47C93E2D7}" type="slidenum">
               <a:rPr lang="en-US" smtClean="0"/>
+              <a:pPr/>
               <a:t>‹#›</a:t>
             </a:fld>
             <a:endParaRPr lang="en-US"/>
@@ -1056,7 +1067,8 @@
           <a:p>
             <a:fld id="{127B4F82-42CE-45D1-AADD-D07C723859E8}" type="datetimeFigureOut">
               <a:rPr lang="en-US" smtClean="0"/>
-              <a:t>12/5/2024</a:t>
+              <a:pPr/>
+              <a:t>12/6/2024</a:t>
             </a:fld>
             <a:endParaRPr lang="en-US"/>
           </a:p>
@@ -1098,6 +1110,7 @@
           <a:p>
             <a:fld id="{96B0853C-A18F-4CC1-9197-22C47C93E2D7}" type="slidenum">
               <a:rPr lang="en-US" smtClean="0"/>
+              <a:pPr/>
               <a:t>‹#›</a:t>
             </a:fld>
             <a:endParaRPr lang="en-US"/>
@@ -1414,7 +1427,8 @@
           <a:p>
             <a:fld id="{127B4F82-42CE-45D1-AADD-D07C723859E8}" type="datetimeFigureOut">
               <a:rPr lang="en-US" smtClean="0"/>
-              <a:t>12/5/2024</a:t>
+              <a:pPr/>
+              <a:t>12/6/2024</a:t>
             </a:fld>
             <a:endParaRPr lang="en-US"/>
           </a:p>
@@ -1456,6 +1470,7 @@
           <a:p>
             <a:fld id="{96B0853C-A18F-4CC1-9197-22C47C93E2D7}" type="slidenum">
               <a:rPr lang="en-US" smtClean="0"/>
+              <a:pPr/>
               <a:t>‹#›</a:t>
             </a:fld>
             <a:endParaRPr lang="en-US"/>
@@ -1701,7 +1716,8 @@
           <a:p>
             <a:fld id="{127B4F82-42CE-45D1-AADD-D07C723859E8}" type="datetimeFigureOut">
               <a:rPr lang="en-US" smtClean="0"/>
-              <a:t>12/5/2024</a:t>
+              <a:pPr/>
+              <a:t>12/6/2024</a:t>
             </a:fld>
             <a:endParaRPr lang="en-US"/>
           </a:p>
@@ -1743,6 +1759,7 @@
           <a:p>
             <a:fld id="{96B0853C-A18F-4CC1-9197-22C47C93E2D7}" type="slidenum">
               <a:rPr lang="en-US" smtClean="0"/>
+              <a:pPr/>
               <a:t>‹#›</a:t>
             </a:fld>
             <a:endParaRPr lang="en-US"/>
@@ -2123,7 +2140,8 @@
           <a:p>
             <a:fld id="{127B4F82-42CE-45D1-AADD-D07C723859E8}" type="datetimeFigureOut">
               <a:rPr lang="en-US" smtClean="0"/>
-              <a:t>12/5/2024</a:t>
+              <a:pPr/>
+              <a:t>12/6/2024</a:t>
             </a:fld>
             <a:endParaRPr lang="en-US"/>
           </a:p>
@@ -2165,6 +2183,7 @@
           <a:p>
             <a:fld id="{96B0853C-A18F-4CC1-9197-22C47C93E2D7}" type="slidenum">
               <a:rPr lang="en-US" smtClean="0"/>
+              <a:pPr/>
               <a:t>‹#›</a:t>
             </a:fld>
             <a:endParaRPr lang="en-US"/>
@@ -2238,7 +2257,8 @@
           <a:p>
             <a:fld id="{127B4F82-42CE-45D1-AADD-D07C723859E8}" type="datetimeFigureOut">
               <a:rPr lang="en-US" smtClean="0"/>
-              <a:t>12/5/2024</a:t>
+              <a:pPr/>
+              <a:t>12/6/2024</a:t>
             </a:fld>
             <a:endParaRPr lang="en-US"/>
           </a:p>
@@ -2280,6 +2300,7 @@
           <a:p>
             <a:fld id="{96B0853C-A18F-4CC1-9197-22C47C93E2D7}" type="slidenum">
               <a:rPr lang="en-US" smtClean="0"/>
+              <a:pPr/>
               <a:t>‹#›</a:t>
             </a:fld>
             <a:endParaRPr lang="en-US"/>
@@ -2328,7 +2349,8 @@
           <a:p>
             <a:fld id="{127B4F82-42CE-45D1-AADD-D07C723859E8}" type="datetimeFigureOut">
               <a:rPr lang="en-US" smtClean="0"/>
-              <a:t>12/5/2024</a:t>
+              <a:pPr/>
+              <a:t>12/6/2024</a:t>
             </a:fld>
             <a:endParaRPr lang="en-US"/>
           </a:p>
@@ -2370,6 +2392,7 @@
           <a:p>
             <a:fld id="{96B0853C-A18F-4CC1-9197-22C47C93E2D7}" type="slidenum">
               <a:rPr lang="en-US" smtClean="0"/>
+              <a:pPr/>
               <a:t>‹#›</a:t>
             </a:fld>
             <a:endParaRPr lang="en-US"/>
@@ -2606,7 +2629,8 @@
           <a:p>
             <a:fld id="{127B4F82-42CE-45D1-AADD-D07C723859E8}" type="datetimeFigureOut">
               <a:rPr lang="en-US" smtClean="0"/>
-              <a:t>12/5/2024</a:t>
+              <a:pPr/>
+              <a:t>12/6/2024</a:t>
             </a:fld>
             <a:endParaRPr lang="en-US"/>
           </a:p>
@@ -2648,6 +2672,7 @@
           <a:p>
             <a:fld id="{96B0853C-A18F-4CC1-9197-22C47C93E2D7}" type="slidenum">
               <a:rPr lang="en-US" smtClean="0"/>
+              <a:pPr/>
               <a:t>‹#›</a:t>
             </a:fld>
             <a:endParaRPr lang="en-US"/>
@@ -2972,7 +2997,8 @@
           <a:p>
             <a:fld id="{127B4F82-42CE-45D1-AADD-D07C723859E8}" type="datetimeFigureOut">
               <a:rPr lang="en-US" smtClean="0"/>
-              <a:t>12/5/2024</a:t>
+              <a:pPr/>
+              <a:t>12/6/2024</a:t>
             </a:fld>
             <a:endParaRPr lang="en-US"/>
           </a:p>
@@ -3128,6 +3154,7 @@
           <a:p>
             <a:fld id="{96B0853C-A18F-4CC1-9197-22C47C93E2D7}" type="slidenum">
               <a:rPr lang="en-US" smtClean="0"/>
+              <a:pPr/>
               <a:t>‹#›</a:t>
             </a:fld>
             <a:endParaRPr lang="en-US"/>
@@ -3409,7 +3436,8 @@
           <a:p>
             <a:fld id="{127B4F82-42CE-45D1-AADD-D07C723859E8}" type="datetimeFigureOut">
               <a:rPr lang="en-US" smtClean="0"/>
-              <a:t>12/5/2024</a:t>
+              <a:pPr/>
+              <a:t>12/6/2024</a:t>
             </a:fld>
             <a:endParaRPr lang="en-US"/>
           </a:p>
@@ -3489,6 +3517,7 @@
           <a:p>
             <a:fld id="{96B0853C-A18F-4CC1-9197-22C47C93E2D7}" type="slidenum">
               <a:rPr lang="en-US" smtClean="0"/>
+              <a:pPr/>
               <a:t>‹#›</a:t>
             </a:fld>
             <a:endParaRPr lang="en-US"/>
@@ -3928,104 +3957,41 @@
               <a:rPr lang="en-US" dirty="0" smtClean="0"/>
               <a:t>&gt;&gt;&gt; s3={1.2,3.4,5.6,6.7,7.8,9.8} </a:t>
             </a:r>
-            <a:endParaRPr lang="en-US" dirty="0" smtClean="0"/>
-          </a:p>
-          <a:p>
-            <a:r>
-              <a:rPr lang="en-US" dirty="0" smtClean="0"/>
-              <a:t>&gt;&gt;&gt; </a:t>
-            </a:r>
-            <a:r>
-              <a:rPr lang="en-US" dirty="0" smtClean="0"/>
-              <a:t>s3.pop</a:t>
-            </a:r>
-            <a:r>
-              <a:rPr lang="en-US" dirty="0" smtClean="0"/>
-              <a:t>()--------------------------- </a:t>
-            </a:r>
-            <a:r>
-              <a:rPr lang="en-US" dirty="0" smtClean="0"/>
-              <a:t>1.2 </a:t>
-            </a:r>
-            <a:endParaRPr lang="en-US" dirty="0" smtClean="0"/>
-          </a:p>
-          <a:p>
-            <a:r>
-              <a:rPr lang="en-US" dirty="0" smtClean="0"/>
-              <a:t>&gt;&gt;&gt; </a:t>
-            </a:r>
-            <a:r>
-              <a:rPr lang="en-US" dirty="0" smtClean="0"/>
-              <a:t>s3.pop() </a:t>
-            </a:r>
-            <a:r>
-              <a:rPr lang="en-US" dirty="0" smtClean="0"/>
-              <a:t>-------------------------3.4 </a:t>
-            </a:r>
-          </a:p>
-          <a:p>
-            <a:r>
-              <a:rPr lang="en-US" dirty="0" smtClean="0"/>
-              <a:t>&gt;&gt;&gt; </a:t>
-            </a:r>
-            <a:r>
-              <a:rPr lang="en-US" dirty="0" smtClean="0"/>
-              <a:t>s3.pop</a:t>
-            </a:r>
-            <a:r>
-              <a:rPr lang="en-US" dirty="0" smtClean="0"/>
-              <a:t>()-------------------- </a:t>
-            </a:r>
-            <a:r>
-              <a:rPr lang="en-US" dirty="0" smtClean="0"/>
-              <a:t>5.6 </a:t>
-            </a:r>
-            <a:endParaRPr lang="en-US" dirty="0" smtClean="0"/>
-          </a:p>
-          <a:p>
-            <a:r>
-              <a:rPr lang="en-US" dirty="0" smtClean="0"/>
-              <a:t>&gt;&gt;&gt; </a:t>
-            </a:r>
-            <a:r>
-              <a:rPr lang="en-US" dirty="0" smtClean="0"/>
-              <a:t>s3.pop() </a:t>
-            </a:r>
-            <a:r>
-              <a:rPr lang="en-US" dirty="0" smtClean="0"/>
-              <a:t>-----------------------------6.7 </a:t>
-            </a:r>
-          </a:p>
-          <a:p>
-            <a:r>
-              <a:rPr lang="en-US" dirty="0" smtClean="0"/>
-              <a:t>&gt;&gt;&gt; </a:t>
-            </a:r>
-            <a:r>
-              <a:rPr lang="en-US" dirty="0" smtClean="0"/>
-              <a:t>s3.pop() </a:t>
-            </a:r>
-            <a:r>
-              <a:rPr lang="en-US" dirty="0" smtClean="0"/>
-              <a:t>-----------------------------7.8 </a:t>
-            </a:r>
-          </a:p>
-          <a:p>
-            <a:r>
-              <a:rPr lang="en-US" dirty="0" smtClean="0"/>
-              <a:t>&gt;&gt;&gt; </a:t>
-            </a:r>
-            <a:r>
-              <a:rPr lang="en-US" dirty="0" smtClean="0"/>
-              <a:t>s3.pop</a:t>
-            </a:r>
-            <a:r>
-              <a:rPr lang="en-US" dirty="0" smtClean="0"/>
-              <a:t>()--------------------------------- </a:t>
-            </a:r>
-            <a:r>
-              <a:rPr lang="en-US" dirty="0" smtClean="0"/>
-              <a:t>9.8</a:t>
+          </a:p>
+          <a:p>
+            <a:r>
+              <a:rPr lang="en-US" dirty="0" smtClean="0"/>
+              <a:t>&gt;&gt;&gt; s3.pop()--------------------------- 1.2 </a:t>
+            </a:r>
+          </a:p>
+          <a:p>
+            <a:r>
+              <a:rPr lang="en-US" dirty="0" smtClean="0"/>
+              <a:t>&gt;&gt;&gt; s3.pop() -------------------------3.4 </a:t>
+            </a:r>
+          </a:p>
+          <a:p>
+            <a:r>
+              <a:rPr lang="en-US" dirty="0" smtClean="0"/>
+              <a:t>&gt;&gt;&gt; s3.pop()-------------------- 5.6 </a:t>
+            </a:r>
+          </a:p>
+          <a:p>
+            <a:r>
+              <a:rPr lang="en-US" dirty="0" smtClean="0"/>
+              <a:t>&gt;&gt;&gt; s3.pop() -----------------------------6.7 </a:t>
+            </a:r>
+          </a:p>
+          <a:p>
+            <a:r>
+              <a:rPr lang="en-US" dirty="0" smtClean="0"/>
+              <a:t>&gt;&gt;&gt; s3.pop() -----------------------------7.8 </a:t>
+            </a:r>
+          </a:p>
+          <a:p>
+            <a:r>
+              <a:rPr lang="en-US" dirty="0" smtClean="0"/>
+              <a:t>&gt;&gt;&gt; s3.pop()--------------------------------- 9.8</a:t>
             </a:r>
           </a:p>
           <a:p>
@@ -4105,26 +4071,13 @@
           <a:p>
             <a:r>
               <a:rPr lang="en-US" dirty="0" smtClean="0"/>
-              <a:t>=&gt;</a:t>
-            </a:r>
-            <a:r>
-              <a:rPr lang="en-US" dirty="0" smtClean="0"/>
-              <a:t>Syntax: setobj2=setobj1.copy() </a:t>
-            </a:r>
-            <a:endParaRPr lang="en-US" dirty="0" smtClean="0"/>
-          </a:p>
-          <a:p>
-            <a:r>
-              <a:rPr lang="en-US" dirty="0" smtClean="0"/>
-              <a:t>=&gt;</a:t>
-            </a:r>
-            <a:r>
-              <a:rPr lang="en-US" dirty="0" smtClean="0"/>
-              <a:t>This Function is used for Copying the Content of one set object to another set object(Shallow Copy</a:t>
-            </a:r>
-            <a:r>
-              <a:rPr lang="en-US" dirty="0" smtClean="0"/>
-              <a:t>)</a:t>
+              <a:t>=&gt;Syntax: setobj2=setobj1.copy() </a:t>
+            </a:r>
+          </a:p>
+          <a:p>
+            <a:r>
+              <a:rPr lang="en-US" dirty="0" smtClean="0"/>
+              <a:t>=&gt;This Function is used for Copying the Content of one set object to another set object(Shallow Copy)</a:t>
             </a:r>
           </a:p>
           <a:p>
@@ -4142,111 +4095,60 @@
           <a:p>
             <a:r>
               <a:rPr lang="en-US" dirty="0" smtClean="0"/>
-              <a:t> </a:t>
-            </a:r>
-            <a:r>
-              <a:rPr lang="en-US" dirty="0" smtClean="0"/>
-              <a:t>---------------------------- </a:t>
-            </a:r>
-            <a:endParaRPr lang="en-US" dirty="0" smtClean="0"/>
-          </a:p>
-          <a:p>
-            <a:r>
-              <a:rPr lang="en-US" dirty="0" smtClean="0"/>
-              <a:t>&gt;&gt;&gt; </a:t>
-            </a:r>
-            <a:r>
-              <a:rPr lang="en-US" dirty="0" smtClean="0"/>
-              <a:t>s1={10,"RS",34.56} </a:t>
-            </a:r>
-            <a:endParaRPr lang="en-US" dirty="0" smtClean="0"/>
-          </a:p>
-          <a:p>
-            <a:r>
-              <a:rPr lang="en-US" dirty="0" smtClean="0"/>
-              <a:t>&gt;&gt;&gt; </a:t>
-            </a:r>
-            <a:r>
-              <a:rPr lang="en-US" dirty="0" smtClean="0"/>
-              <a:t>print(s1,id(s1))----------------------{'RS', 10, 34.56} </a:t>
-            </a:r>
-            <a:r>
-              <a:rPr lang="en-US" dirty="0" smtClean="0"/>
-              <a:t>1819500154656</a:t>
-            </a:r>
-          </a:p>
-          <a:p>
-            <a:r>
-              <a:rPr lang="en-US" dirty="0" smtClean="0"/>
-              <a:t> </a:t>
-            </a:r>
-            <a:r>
-              <a:rPr lang="en-US" dirty="0" smtClean="0"/>
-              <a:t>&gt;&gt;&gt; s2=s1.copy() </a:t>
+              <a:t> ---------------------------- </a:t>
+            </a:r>
+          </a:p>
+          <a:p>
+            <a:r>
+              <a:rPr lang="en-US" dirty="0" smtClean="0"/>
+              <a:t>&gt;&gt;&gt; s1={10,"RS",34.56} </a:t>
+            </a:r>
+          </a:p>
+          <a:p>
+            <a:r>
+              <a:rPr lang="en-US" dirty="0" smtClean="0"/>
+              <a:t>&gt;&gt;&gt; print(s1,id(s1))----------------------{'RS', 10, 34.56} 1819500154656</a:t>
+            </a:r>
+          </a:p>
+          <a:p>
+            <a:r>
+              <a:rPr lang="en-US" dirty="0" smtClean="0"/>
+              <a:t> &gt;&gt;&gt; s2=s1.copy() </a:t>
             </a:r>
             <a:r>
               <a:rPr lang="en-US" b="1" dirty="0" smtClean="0"/>
               <a:t># Shallow Copy </a:t>
             </a:r>
-            <a:endParaRPr lang="en-US" b="1" dirty="0" smtClean="0"/>
-          </a:p>
-          <a:p>
-            <a:r>
-              <a:rPr lang="en-US" dirty="0" smtClean="0"/>
-              <a:t>&gt;&gt;&gt; </a:t>
-            </a:r>
-            <a:r>
-              <a:rPr lang="en-US" dirty="0" smtClean="0"/>
-              <a:t>print(s2,id(s2))---------------{'RS', 10, 34.56} 1819496964704 </a:t>
-            </a:r>
-            <a:endParaRPr lang="en-US" dirty="0" smtClean="0"/>
-          </a:p>
-          <a:p>
-            <a:r>
-              <a:rPr lang="en-US" dirty="0" smtClean="0"/>
-              <a:t>&gt;&gt;&gt; </a:t>
-            </a:r>
-            <a:r>
-              <a:rPr lang="en-US" dirty="0" smtClean="0"/>
-              <a:t>s1.add(100) </a:t>
-            </a:r>
-            <a:endParaRPr lang="en-US" dirty="0" smtClean="0"/>
-          </a:p>
-          <a:p>
-            <a:r>
-              <a:rPr lang="en-US" dirty="0" smtClean="0"/>
-              <a:t>&gt;&gt;&gt; </a:t>
-            </a:r>
-            <a:r>
-              <a:rPr lang="en-US" dirty="0" smtClean="0"/>
-              <a:t>s2.add("Python") </a:t>
-            </a:r>
-            <a:endParaRPr lang="en-US" dirty="0" smtClean="0"/>
-          </a:p>
-          <a:p>
-            <a:r>
-              <a:rPr lang="en-US" dirty="0" smtClean="0"/>
-              <a:t>&gt;&gt;&gt; </a:t>
-            </a:r>
-            <a:r>
-              <a:rPr lang="en-US" dirty="0" smtClean="0"/>
-              <a:t>print(s1,id(s1))--------------{100, 'RS', 10, 34.56} </a:t>
-            </a:r>
-            <a:r>
-              <a:rPr lang="en-US" dirty="0" smtClean="0"/>
-              <a:t>1819500154656</a:t>
-            </a:r>
-          </a:p>
-          <a:p>
-            <a:r>
-              <a:rPr lang="en-US" dirty="0" smtClean="0"/>
-              <a:t> </a:t>
-            </a:r>
-            <a:r>
-              <a:rPr lang="en-US" dirty="0" smtClean="0"/>
-              <a:t>&gt;&gt;&gt; print(s2,id(s2))-------------{'Python', 'RS', 10, 34.56} 1819496964704 </a:t>
-            </a:r>
-            <a:endParaRPr lang="en-US" dirty="0" smtClean="0"/>
+          </a:p>
+          <a:p>
+            <a:r>
+              <a:rPr lang="en-US" dirty="0" smtClean="0"/>
+              <a:t>&gt;&gt;&gt; print(s2,id(s2))---------------{'RS', 10, 34.56} 1819496964704 </a:t>
+            </a:r>
+          </a:p>
+          <a:p>
+            <a:r>
+              <a:rPr lang="en-US" dirty="0" smtClean="0"/>
+              <a:t>&gt;&gt;&gt; s1.add(100) </a:t>
+            </a:r>
+          </a:p>
+          <a:p>
+            <a:r>
+              <a:rPr lang="en-US" dirty="0" smtClean="0"/>
+              <a:t>&gt;&gt;&gt; s2.add("Python") </a:t>
+            </a:r>
+          </a:p>
+          <a:p>
+            <a:r>
+              <a:rPr lang="en-US" dirty="0" smtClean="0"/>
+              <a:t>&gt;&gt;&gt; print(s1,id(s1))--------------{100, 'RS', 10, 34.56} 1819500154656</a:t>
+            </a:r>
+          </a:p>
+          <a:p>
+            <a:r>
+              <a:rPr lang="en-US" dirty="0" smtClean="0"/>
+              <a:t> &gt;&gt;&gt; print(s2,id(s2))-------------{'Python', 'RS', 10, 34.56} 1819496964704 </a:t>
+            </a:r>
           </a:p>
           <a:p>
             <a:endParaRPr lang="en-US" dirty="0"/>
@@ -4328,25 +4230,13 @@
           <a:p>
             <a:r>
               <a:rPr lang="en-US" dirty="0" smtClean="0"/>
-              <a:t> </a:t>
-            </a:r>
-            <a:r>
-              <a:rPr lang="en-US" dirty="0" smtClean="0"/>
-              <a:t>Syntax: setobj1.isdisjoint(setobj2</a:t>
-            </a:r>
-            <a:r>
-              <a:rPr lang="en-US" dirty="0" smtClean="0"/>
-              <a:t>)</a:t>
-            </a:r>
-          </a:p>
-          <a:p>
-            <a:r>
-              <a:rPr lang="en-US" dirty="0" smtClean="0"/>
-              <a:t> </a:t>
-            </a:r>
-            <a:r>
-              <a:rPr lang="en-US" dirty="0" smtClean="0"/>
-              <a:t>=&gt;This </a:t>
+              <a:t> Syntax: setobj1.isdisjoint(setobj2)</a:t>
+            </a:r>
+          </a:p>
+          <a:p>
+            <a:r>
+              <a:rPr lang="en-US" dirty="0" smtClean="0"/>
+              <a:t> =&gt;This </a:t>
             </a:r>
             <a:r>
               <a:rPr lang="en-US" dirty="0" err="1" smtClean="0"/>
@@ -4356,16 +4246,11 @@
               <a:rPr lang="en-US" dirty="0" smtClean="0"/>
               <a:t> returns True provided There is no Common Elements between SetObj1 and SetObj2 </a:t>
             </a:r>
-            <a:endParaRPr lang="en-US" dirty="0" smtClean="0"/>
-          </a:p>
-          <a:p>
-            <a:r>
-              <a:rPr lang="en-US" dirty="0" smtClean="0"/>
-              <a:t>=&gt;</a:t>
-            </a:r>
-            <a:r>
-              <a:rPr lang="en-US" dirty="0" smtClean="0"/>
-              <a:t>This </a:t>
+          </a:p>
+          <a:p>
+            <a:r>
+              <a:rPr lang="en-US" dirty="0" smtClean="0"/>
+              <a:t>=&gt;This </a:t>
             </a:r>
             <a:r>
               <a:rPr lang="en-US" dirty="0" err="1" smtClean="0"/>
@@ -4381,23 +4266,14 @@
             </a:r>
             <a:r>
               <a:rPr lang="en-US" dirty="0" smtClean="0"/>
-              <a:t> One Common Element(s) between SetObj1 and </a:t>
-            </a:r>
-            <a:r>
-              <a:rPr lang="en-US" dirty="0" smtClean="0"/>
-              <a:t>SetObj2</a:t>
-            </a:r>
-          </a:p>
-          <a:p>
-            <a:r>
-              <a:rPr lang="en-US" dirty="0" smtClean="0"/>
-              <a:t> </a:t>
-            </a:r>
-            <a:r>
-              <a:rPr lang="en-US" dirty="0" smtClean="0"/>
-              <a:t>---------------------------- </a:t>
-            </a:r>
-            <a:endParaRPr lang="en-US" dirty="0" smtClean="0"/>
+              <a:t> One Common Element(s) between SetObj1 and SetObj2</a:t>
+            </a:r>
+          </a:p>
+          <a:p>
+            <a:r>
+              <a:rPr lang="en-US" dirty="0" smtClean="0"/>
+              <a:t> ---------------------------- </a:t>
+            </a:r>
           </a:p>
           <a:p>
             <a:r>
@@ -4414,68 +4290,38 @@
           <a:p>
             <a:r>
               <a:rPr lang="en-US" dirty="0" smtClean="0"/>
-              <a:t> </a:t>
-            </a:r>
-            <a:r>
-              <a:rPr lang="en-US" dirty="0" smtClean="0"/>
-              <a:t>&gt;&gt;&gt; s1={10,20,30} </a:t>
-            </a:r>
-            <a:endParaRPr lang="en-US" dirty="0" smtClean="0"/>
-          </a:p>
-          <a:p>
-            <a:r>
-              <a:rPr lang="en-US" dirty="0" smtClean="0"/>
-              <a:t>&gt;&gt;&gt; </a:t>
-            </a:r>
-            <a:r>
-              <a:rPr lang="en-US" dirty="0" smtClean="0"/>
-              <a:t>s2={30,40,50,60} </a:t>
-            </a:r>
-            <a:endParaRPr lang="en-US" dirty="0" smtClean="0"/>
-          </a:p>
-          <a:p>
-            <a:r>
-              <a:rPr lang="en-US" dirty="0" smtClean="0"/>
-              <a:t>&gt;&gt;&gt; </a:t>
-            </a:r>
-            <a:r>
-              <a:rPr lang="en-US" dirty="0" smtClean="0"/>
-              <a:t>s3={15,25,35} </a:t>
-            </a:r>
-            <a:endParaRPr lang="en-US" dirty="0" smtClean="0"/>
-          </a:p>
-          <a:p>
-            <a:r>
-              <a:rPr lang="en-US" dirty="0" smtClean="0"/>
-              <a:t>&gt;&gt;&gt; </a:t>
-            </a:r>
-            <a:r>
-              <a:rPr lang="en-US" dirty="0" smtClean="0"/>
-              <a:t>s1.isdisjoint(s2)-----------------False </a:t>
-            </a:r>
-            <a:endParaRPr lang="en-US" dirty="0" smtClean="0"/>
-          </a:p>
-          <a:p>
-            <a:r>
-              <a:rPr lang="en-US" dirty="0" smtClean="0"/>
-              <a:t>&gt;&gt;&gt; </a:t>
-            </a:r>
-            <a:r>
-              <a:rPr lang="en-US" dirty="0" smtClean="0"/>
-              <a:t>s1.isdisjoint(s3)-----------------True </a:t>
-            </a:r>
-            <a:endParaRPr lang="en-US" dirty="0" smtClean="0"/>
-          </a:p>
-          <a:p>
-            <a:r>
-              <a:rPr lang="en-US" dirty="0" smtClean="0"/>
-              <a:t>&gt;&gt;&gt; </a:t>
-            </a:r>
-            <a:r>
-              <a:rPr lang="en-US" dirty="0" smtClean="0"/>
-              <a:t>s2.isdisjoint(s3)-----------------True </a:t>
-            </a:r>
-            <a:endParaRPr lang="en-US" dirty="0" smtClean="0"/>
+              <a:t> &gt;&gt;&gt; s1={10,20,30} </a:t>
+            </a:r>
+          </a:p>
+          <a:p>
+            <a:r>
+              <a:rPr lang="en-US" dirty="0" smtClean="0"/>
+              <a:t>&gt;&gt;&gt; s2={30,40,50,60} </a:t>
+            </a:r>
+          </a:p>
+          <a:p>
+            <a:r>
+              <a:rPr lang="en-US" dirty="0" smtClean="0"/>
+              <a:t>&gt;&gt;&gt; s3={15,25,35} </a:t>
+            </a:r>
+          </a:p>
+          <a:p>
+            <a:r>
+              <a:rPr lang="en-US" dirty="0" smtClean="0"/>
+              <a:t>&gt;&gt;&gt; s1.isdisjoint(s2)-----------------False </a:t>
+            </a:r>
+          </a:p>
+          <a:p>
+            <a:r>
+              <a:rPr lang="en-US" dirty="0" smtClean="0"/>
+              <a:t>&gt;&gt;&gt; s1.isdisjoint(s3)-----------------True </a:t>
+            </a:r>
+          </a:p>
+          <a:p>
+            <a:r>
+              <a:rPr lang="en-US" dirty="0" smtClean="0"/>
+              <a:t>&gt;&gt;&gt; s2.isdisjoint(s3)-----------------True </a:t>
+            </a:r>
           </a:p>
           <a:p>
             <a:r>
@@ -4486,11 +4332,7 @@
           <a:p>
             <a:r>
               <a:rPr lang="en-US" dirty="0" smtClean="0"/>
-              <a:t>&gt;&gt;&gt; </a:t>
-            </a:r>
-            <a:r>
-              <a:rPr lang="en-US" dirty="0" smtClean="0"/>
-              <a:t>set().</a:t>
+              <a:t>&gt;&gt;&gt; set().</a:t>
             </a:r>
             <a:r>
               <a:rPr lang="en-US" dirty="0" err="1" smtClean="0"/>
@@ -4500,16 +4342,11 @@
               <a:rPr lang="en-US" dirty="0" smtClean="0"/>
               <a:t>(set())-----------------True </a:t>
             </a:r>
-            <a:endParaRPr lang="en-US" dirty="0" smtClean="0"/>
-          </a:p>
-          <a:p>
-            <a:r>
-              <a:rPr lang="en-US" dirty="0" smtClean="0"/>
-              <a:t>&gt;&gt;&gt; </a:t>
-            </a:r>
-            <a:r>
-              <a:rPr lang="en-US" dirty="0" smtClean="0"/>
-              <a:t>set().</a:t>
+          </a:p>
+          <a:p>
+            <a:r>
+              <a:rPr lang="en-US" dirty="0" smtClean="0"/>
+              <a:t>&gt;&gt;&gt; set().</a:t>
             </a:r>
             <a:r>
               <a:rPr lang="en-US" dirty="0" err="1" smtClean="0"/>
@@ -4517,11 +4354,7 @@
             </a:r>
             <a:r>
               <a:rPr lang="en-US" dirty="0" smtClean="0"/>
-              <a:t>({10,20,30})----------</a:t>
-            </a:r>
-            <a:r>
-              <a:rPr lang="en-US" dirty="0" smtClean="0"/>
-              <a:t>True</a:t>
+              <a:t>({10,20,30})----------True</a:t>
             </a:r>
             <a:endParaRPr lang="en-US" dirty="0"/>
           </a:p>
@@ -4612,48 +4445,27 @@
           <a:p>
             <a:r>
               <a:rPr lang="en-US" dirty="0" smtClean="0"/>
-              <a:t>Syntax</a:t>
-            </a:r>
-            <a:r>
-              <a:rPr lang="en-US" dirty="0" smtClean="0"/>
-              <a:t>: setobj1.issuperset(setobj2</a:t>
-            </a:r>
-            <a:r>
-              <a:rPr lang="en-US" dirty="0" smtClean="0"/>
-              <a:t>)</a:t>
-            </a:r>
-          </a:p>
-          <a:p>
-            <a:r>
-              <a:rPr lang="en-US" dirty="0" smtClean="0"/>
-              <a:t> </a:t>
-            </a:r>
-            <a:r>
-              <a:rPr lang="en-US" dirty="0" smtClean="0"/>
-              <a:t>=&gt;This Function returns True Provided SetObj1 contains all the Elements of SetObj2 Otherwise It returns False OR </a:t>
-            </a:r>
+              <a:t>Syntax: setobj1.issuperset(setobj2)</a:t>
+            </a:r>
+          </a:p>
+          <a:p>
+            <a:r>
+              <a:rPr lang="en-US" dirty="0" smtClean="0"/>
+              <a:t> =&gt;This Function returns True Provided SetObj1 contains all the Elements of SetObj2 Otherwise It returns False OR </a:t>
+            </a:r>
+          </a:p>
+          <a:p>
+            <a:r>
+              <a:rPr lang="en-US" dirty="0" smtClean="0"/>
+              <a:t>=&gt;This Function returns True Provided All the Elements of SetObj2 Present in SetObj1 Otherwise It returns False</a:t>
+            </a:r>
+          </a:p>
+          <a:p>
             <a:endParaRPr lang="en-US" dirty="0" smtClean="0"/>
           </a:p>
           <a:p>
             <a:r>
               <a:rPr lang="en-US" dirty="0" smtClean="0"/>
-              <a:t>=&gt;</a:t>
-            </a:r>
-            <a:r>
-              <a:rPr lang="en-US" dirty="0" smtClean="0"/>
-              <a:t>This Function returns True Provided All the Elements of SetObj2 Present in SetObj1 Otherwise It returns </a:t>
-            </a:r>
-            <a:r>
-              <a:rPr lang="en-US" dirty="0" smtClean="0"/>
-              <a:t>False</a:t>
-            </a:r>
-          </a:p>
-          <a:p>
-            <a:endParaRPr lang="en-US" dirty="0" smtClean="0"/>
-          </a:p>
-          <a:p>
-            <a:r>
-              <a:rPr lang="en-US" dirty="0" smtClean="0"/>
               <a:t>---------------- </a:t>
             </a:r>
           </a:p>
@@ -4672,88 +4484,49 @@
           <a:p>
             <a:r>
               <a:rPr lang="en-US" dirty="0" smtClean="0"/>
-              <a:t>&gt;&gt;&gt; </a:t>
-            </a:r>
-            <a:r>
-              <a:rPr lang="en-US" dirty="0" smtClean="0"/>
-              <a:t>s1={10,20,30,40} </a:t>
-            </a:r>
-            <a:endParaRPr lang="en-US" dirty="0" smtClean="0"/>
-          </a:p>
-          <a:p>
-            <a:r>
-              <a:rPr lang="en-US" dirty="0" smtClean="0"/>
-              <a:t>&gt;&gt;&gt; </a:t>
-            </a:r>
-            <a:r>
-              <a:rPr lang="en-US" dirty="0" smtClean="0"/>
-              <a:t>s2={10,20} </a:t>
-            </a:r>
-            <a:endParaRPr lang="en-US" dirty="0" smtClean="0"/>
-          </a:p>
-          <a:p>
-            <a:r>
-              <a:rPr lang="en-US" dirty="0" smtClean="0"/>
-              <a:t>&gt;&gt;&gt; </a:t>
-            </a:r>
-            <a:r>
-              <a:rPr lang="en-US" dirty="0" smtClean="0"/>
-              <a:t>s3={10,15,25,35} </a:t>
-            </a:r>
-            <a:endParaRPr lang="en-US" dirty="0" smtClean="0"/>
-          </a:p>
-          <a:p>
-            <a:r>
-              <a:rPr lang="en-US" dirty="0" smtClean="0"/>
-              <a:t>&gt;&gt;&gt; </a:t>
-            </a:r>
-            <a:r>
-              <a:rPr lang="en-US" dirty="0" smtClean="0"/>
-              <a:t>s1.issuperset(s2)---------------True </a:t>
-            </a:r>
-            <a:endParaRPr lang="en-US" dirty="0" smtClean="0"/>
-          </a:p>
-          <a:p>
-            <a:r>
-              <a:rPr lang="en-US" dirty="0" smtClean="0"/>
-              <a:t>&gt;&gt;&gt; </a:t>
-            </a:r>
-            <a:r>
-              <a:rPr lang="en-US" dirty="0" smtClean="0"/>
-              <a:t>s1.issuperset(s3)---------------False </a:t>
-            </a:r>
-            <a:endParaRPr lang="en-US" dirty="0" smtClean="0"/>
-          </a:p>
-          <a:p>
-            <a:r>
-              <a:rPr lang="en-US" dirty="0" smtClean="0"/>
-              <a:t>&gt;&gt;&gt; </a:t>
-            </a:r>
-            <a:r>
-              <a:rPr lang="en-US" dirty="0" smtClean="0"/>
-              <a:t>s2.issuperset(s1)---------------False </a:t>
-            </a:r>
-            <a:endParaRPr lang="en-US" dirty="0" smtClean="0"/>
-          </a:p>
-          <a:p>
-            <a:r>
-              <a:rPr lang="en-US" dirty="0" smtClean="0"/>
-              <a:t>&gt;&gt;&gt; </a:t>
-            </a:r>
-            <a:r>
-              <a:rPr lang="en-US" dirty="0" smtClean="0"/>
-              <a:t>s2.issuperset(s3)---------------False </a:t>
-            </a:r>
-            <a:endParaRPr lang="en-US" dirty="0" smtClean="0"/>
-          </a:p>
-          <a:p>
-            <a:r>
-              <a:rPr lang="en-US" dirty="0" smtClean="0"/>
-              <a:t>&gt;&gt;&gt; </a:t>
-            </a:r>
-            <a:r>
-              <a:rPr lang="en-US" dirty="0" smtClean="0"/>
-              <a:t>set().</a:t>
+              <a:t>&gt;&gt;&gt; s1={10,20,30,40} </a:t>
+            </a:r>
+          </a:p>
+          <a:p>
+            <a:r>
+              <a:rPr lang="en-US" dirty="0" smtClean="0"/>
+              <a:t>&gt;&gt;&gt; s2={10,20} </a:t>
+            </a:r>
+          </a:p>
+          <a:p>
+            <a:r>
+              <a:rPr lang="en-US" dirty="0" smtClean="0"/>
+              <a:t>&gt;&gt;&gt; s3={10,15,25,35} </a:t>
+            </a:r>
+          </a:p>
+          <a:p>
+            <a:r>
+              <a:rPr lang="en-US" dirty="0" smtClean="0"/>
+              <a:t>&gt;&gt;&gt; s1.issuperset(s2)---------------True </a:t>
+            </a:r>
+          </a:p>
+          <a:p>
+            <a:r>
+              <a:rPr lang="en-US" dirty="0" smtClean="0"/>
+              <a:t>&gt;&gt;&gt; s1.issuperset(s3)---------------False </a:t>
+            </a:r>
+          </a:p>
+          <a:p>
+            <a:r>
+              <a:rPr lang="en-US" dirty="0" smtClean="0"/>
+              <a:t>&gt;&gt;&gt; s2.issuperset(s1)---------------False </a:t>
+            </a:r>
+          </a:p>
+          <a:p>
+            <a:r>
+              <a:rPr lang="en-US" dirty="0" smtClean="0"/>
+              <a:t>&gt;&gt;&gt; s2.issuperset(s3)---------------False </a:t>
+            </a:r>
+          </a:p>
+          <a:p>
+            <a:r>
+              <a:rPr lang="en-US" dirty="0" smtClean="0"/>
+              <a:t>&gt;&gt;&gt; set().</a:t>
             </a:r>
             <a:r>
               <a:rPr lang="en-US" dirty="0" err="1" smtClean="0"/>
@@ -4761,11 +4534,7 @@
             </a:r>
             <a:r>
               <a:rPr lang="en-US" dirty="0" smtClean="0"/>
-              <a:t>(set())---------</a:t>
-            </a:r>
-            <a:r>
-              <a:rPr lang="en-US" dirty="0" smtClean="0"/>
-              <a:t>True</a:t>
+              <a:t>(set())---------True</a:t>
             </a:r>
             <a:endParaRPr lang="en-US" dirty="0"/>
           </a:p>
@@ -4846,22 +4615,13 @@
           <a:p>
             <a:r>
               <a:rPr lang="en-US" dirty="0" smtClean="0"/>
-              <a:t>Syntax</a:t>
-            </a:r>
-            <a:r>
-              <a:rPr lang="en-US" dirty="0" smtClean="0"/>
-              <a:t>: setobj1.issubset(setobj2) </a:t>
-            </a:r>
-            <a:endParaRPr lang="en-US" dirty="0" smtClean="0"/>
-          </a:p>
-          <a:p>
-            <a:r>
-              <a:rPr lang="en-US" dirty="0" smtClean="0"/>
-              <a:t>=&gt;</a:t>
-            </a:r>
-            <a:r>
-              <a:rPr lang="en-US" dirty="0" smtClean="0"/>
-              <a:t>This </a:t>
+              <a:t>Syntax: setobj1.issubset(setobj2) </a:t>
+            </a:r>
+          </a:p>
+          <a:p>
+            <a:r>
+              <a:rPr lang="en-US" dirty="0" smtClean="0"/>
+              <a:t>=&gt;This </a:t>
             </a:r>
             <a:r>
               <a:rPr lang="en-US" dirty="0" err="1" smtClean="0"/>
@@ -4871,7 +4631,6 @@
               <a:rPr lang="en-US" dirty="0" smtClean="0"/>
               <a:t> Returns True Provided all the Elements of setobj1 are Present in setobj2 Otherwise returns False. </a:t>
             </a:r>
-            <a:endParaRPr lang="en-US" dirty="0" smtClean="0"/>
           </a:p>
           <a:p>
             <a:r>
@@ -4894,83 +4653,43 @@
           <a:p>
             <a:r>
               <a:rPr lang="en-US" dirty="0" smtClean="0"/>
-              <a:t>&gt;&gt;&gt; </a:t>
-            </a:r>
-            <a:r>
-              <a:rPr lang="en-US" dirty="0" smtClean="0"/>
-              <a:t>s1={10,20,30,40} </a:t>
-            </a:r>
-            <a:endParaRPr lang="en-US" dirty="0" smtClean="0"/>
-          </a:p>
-          <a:p>
-            <a:r>
-              <a:rPr lang="en-US" dirty="0" smtClean="0"/>
-              <a:t>&gt;&gt;&gt; </a:t>
-            </a:r>
-            <a:r>
-              <a:rPr lang="en-US" dirty="0" smtClean="0"/>
-              <a:t>s2={10,20} </a:t>
-            </a:r>
-            <a:endParaRPr lang="en-US" dirty="0" smtClean="0"/>
-          </a:p>
-          <a:p>
-            <a:r>
-              <a:rPr lang="en-US" dirty="0" smtClean="0"/>
-              <a:t>&gt;&gt;&gt; </a:t>
-            </a:r>
-            <a:r>
-              <a:rPr lang="en-US" dirty="0" smtClean="0"/>
-              <a:t>s3={10,15,25,35} </a:t>
-            </a:r>
-            <a:r>
-              <a:rPr lang="en-US" dirty="0" smtClean="0"/>
-              <a:t> </a:t>
-            </a:r>
-          </a:p>
-          <a:p>
-            <a:r>
-              <a:rPr lang="en-US" dirty="0" smtClean="0"/>
-              <a:t>&gt;&gt;&gt; </a:t>
-            </a:r>
-            <a:r>
-              <a:rPr lang="en-US" dirty="0" smtClean="0"/>
-              <a:t>s2.issubset(s1)-----------</a:t>
-            </a:r>
-            <a:r>
-              <a:rPr lang="en-US" dirty="0" smtClean="0"/>
-              <a:t>True</a:t>
-            </a:r>
-          </a:p>
-          <a:p>
-            <a:r>
-              <a:rPr lang="en-US" dirty="0" smtClean="0"/>
-              <a:t>&gt;&gt;&gt; </a:t>
-            </a:r>
-            <a:r>
-              <a:rPr lang="en-US" dirty="0" smtClean="0"/>
-              <a:t>s2.issubset(s3)----------False </a:t>
-            </a:r>
-            <a:endParaRPr lang="en-US" dirty="0" smtClean="0"/>
-          </a:p>
-          <a:p>
-            <a:r>
-              <a:rPr lang="en-US" dirty="0" smtClean="0"/>
-              <a:t>&gt;&gt;&gt; </a:t>
-            </a:r>
-            <a:r>
-              <a:rPr lang="en-US" dirty="0" smtClean="0"/>
-              <a:t>s1.issubset(s2)-----------False </a:t>
-            </a:r>
-            <a:endParaRPr lang="en-US" dirty="0" smtClean="0"/>
-          </a:p>
-          <a:p>
-            <a:r>
-              <a:rPr lang="en-US" dirty="0" smtClean="0"/>
-              <a:t>&gt;&gt;&gt; </a:t>
-            </a:r>
-            <a:r>
-              <a:rPr lang="en-US" dirty="0" smtClean="0"/>
-              <a:t>set().</a:t>
+              <a:t>&gt;&gt;&gt; s1={10,20,30,40} </a:t>
+            </a:r>
+          </a:p>
+          <a:p>
+            <a:r>
+              <a:rPr lang="en-US" dirty="0" smtClean="0"/>
+              <a:t>&gt;&gt;&gt; s2={10,20} </a:t>
+            </a:r>
+          </a:p>
+          <a:p>
+            <a:r>
+              <a:rPr lang="en-US" dirty="0" smtClean="0"/>
+              <a:t>&gt;&gt;&gt; s3={10,15,25,35}  </a:t>
+            </a:r>
+          </a:p>
+          <a:p>
+            <a:r>
+              <a:rPr lang="en-US" dirty="0" smtClean="0"/>
+              <a:t>&gt;&gt;&gt; s2.issubset(s1)-----------True</a:t>
+            </a:r>
+          </a:p>
+          <a:p>
+            <a:r>
+              <a:rPr lang="en-US" dirty="0" smtClean="0"/>
+              <a:t>&gt;&gt;&gt; s2.issubset(s3)----------False </a:t>
+            </a:r>
+          </a:p>
+          <a:p>
+            <a:r>
+              <a:rPr lang="en-US" dirty="0" smtClean="0"/>
+              <a:t>&gt;&gt;&gt; s1.issubset(s2)-----------False </a:t>
+            </a:r>
+          </a:p>
+          <a:p>
+            <a:r>
+              <a:rPr lang="en-US" dirty="0" smtClean="0"/>
+              <a:t>&gt;&gt;&gt; set().</a:t>
             </a:r>
             <a:r>
               <a:rPr lang="en-US" dirty="0" err="1" smtClean="0"/>
@@ -5049,11 +4768,7 @@
           <a:p>
             <a:r>
               <a:rPr lang="en-US" dirty="0" smtClean="0"/>
-              <a:t>&gt;&gt;&gt; </a:t>
-            </a:r>
-            <a:r>
-              <a:rPr lang="en-US" dirty="0" smtClean="0"/>
-              <a:t>{10,20,30}.</a:t>
+              <a:t>&gt;&gt;&gt; {10,20,30}.</a:t>
             </a:r>
             <a:r>
               <a:rPr lang="en-US" dirty="0" err="1" smtClean="0"/>
@@ -5061,22 +4776,13 @@
             </a:r>
             <a:r>
               <a:rPr lang="en-US" dirty="0" smtClean="0"/>
-              <a:t>(set()) </a:t>
-            </a:r>
-            <a:r>
-              <a:rPr lang="en-US" dirty="0" smtClean="0"/>
-              <a:t>------------True </a:t>
-            </a:r>
-            <a:endParaRPr lang="en-US" dirty="0" smtClean="0"/>
-          </a:p>
-          <a:p>
-            <a:r>
-              <a:rPr lang="en-US" dirty="0" smtClean="0"/>
-              <a:t>&gt;&gt;&gt; </a:t>
-            </a:r>
-            <a:r>
-              <a:rPr lang="en-US" dirty="0" smtClean="0"/>
-              <a:t>set().</a:t>
+              <a:t>(set()) ------------True </a:t>
+            </a:r>
+          </a:p>
+          <a:p>
+            <a:r>
+              <a:rPr lang="en-US" dirty="0" smtClean="0"/>
+              <a:t>&gt;&gt;&gt; set().</a:t>
             </a:r>
             <a:r>
               <a:rPr lang="en-US" dirty="0" err="1" smtClean="0"/>
@@ -5084,26 +4790,13 @@
             </a:r>
             <a:r>
               <a:rPr lang="en-US" dirty="0" smtClean="0"/>
-              <a:t>({10,20,30</a:t>
-            </a:r>
-            <a:r>
-              <a:rPr lang="en-US" dirty="0" smtClean="0"/>
-              <a:t>})---------- </a:t>
-            </a:r>
-            <a:r>
-              <a:rPr lang="en-US" dirty="0" smtClean="0"/>
-              <a:t>True </a:t>
-            </a:r>
-            <a:endParaRPr lang="en-US" dirty="0" smtClean="0"/>
-          </a:p>
-          <a:p>
-            <a:r>
-              <a:rPr lang="en-US" dirty="0" smtClean="0"/>
-              <a:t>&gt;&gt;&gt; </a:t>
-            </a:r>
-            <a:r>
-              <a:rPr lang="en-US" dirty="0" smtClean="0"/>
-              <a:t>set("RADAR").</a:t>
+              <a:t>({10,20,30})---------- True </a:t>
+            </a:r>
+          </a:p>
+          <a:p>
+            <a:r>
+              <a:rPr lang="en-US" dirty="0" smtClean="0"/>
+              <a:t>&gt;&gt;&gt; set("RADAR").</a:t>
             </a:r>
             <a:r>
               <a:rPr lang="en-US" dirty="0" err="1" smtClean="0"/>
@@ -5111,21 +4804,13 @@
             </a:r>
             <a:r>
               <a:rPr lang="en-US" dirty="0" smtClean="0"/>
-              <a:t>(set("ROCKET</a:t>
-            </a:r>
-            <a:r>
-              <a:rPr lang="en-US" dirty="0" smtClean="0"/>
-              <a:t>"))--------------------------------------- False</a:t>
-            </a:r>
-          </a:p>
-          <a:p>
-            <a:r>
-              <a:rPr lang="en-US" dirty="0" smtClean="0"/>
-              <a:t> </a:t>
-            </a:r>
-            <a:r>
-              <a:rPr lang="en-US" dirty="0" smtClean="0"/>
-              <a:t>&gt;&gt;&gt; set("RADAR").</a:t>
+              <a:t>(set("ROCKET"))--------------------------------------- False</a:t>
+            </a:r>
+          </a:p>
+          <a:p>
+            <a:r>
+              <a:rPr lang="en-US" dirty="0" smtClean="0"/>
+              <a:t> &gt;&gt;&gt; set("RADAR").</a:t>
             </a:r>
             <a:r>
               <a:rPr lang="en-US" dirty="0" err="1" smtClean="0"/>
@@ -5133,11 +4818,7 @@
             </a:r>
             <a:r>
               <a:rPr lang="en-US" dirty="0" smtClean="0"/>
-              <a:t>(set("ROCKET</a:t>
-            </a:r>
-            <a:r>
-              <a:rPr lang="en-US" dirty="0" smtClean="0"/>
-              <a:t>"))--------------------------------------------------- False</a:t>
+              <a:t>(set("ROCKET"))--------------------------------------------------- False</a:t>
             </a:r>
           </a:p>
         </p:txBody>
@@ -5209,23 +4890,14 @@
           <a:p>
             <a:r>
               <a:rPr lang="en-US" dirty="0" smtClean="0"/>
-              <a:t>=&gt;</a:t>
-            </a:r>
-            <a:r>
-              <a:rPr lang="en-US" dirty="0" smtClean="0"/>
-              <a:t>Syntax: setobj3=setobj1.union(setobj2) </a:t>
-            </a:r>
-          </a:p>
-          <a:p>
-            <a:r>
-              <a:rPr lang="en-US" dirty="0" smtClean="0"/>
-              <a:t>=&gt;</a:t>
-            </a:r>
-            <a:r>
-              <a:rPr lang="en-US" dirty="0" smtClean="0"/>
-              <a:t>This function is used for Taking all Unique Elements of setobj1 and setobj2 and Place the Resultant Elements in SetObj3. </a:t>
-            </a:r>
-            <a:endParaRPr lang="en-US" dirty="0" smtClean="0"/>
+              <a:t>=&gt;Syntax: setobj3=setobj1.union(setobj2) </a:t>
+            </a:r>
+          </a:p>
+          <a:p>
+            <a:r>
+              <a:rPr lang="en-US" dirty="0" smtClean="0"/>
+              <a:t>=&gt;This function is used for Taking all Unique Elements of setobj1 and setobj2 and Place the Resultant Elements in SetObj3. </a:t>
+            </a:r>
           </a:p>
           <a:p>
             <a:endParaRPr lang="en-US" dirty="0" smtClean="0"/>
@@ -5472,24 +5144,14 @@
           <a:p>
             <a:r>
               <a:rPr lang="en-US" dirty="0" smtClean="0"/>
-              <a:t> </a:t>
-            </a:r>
-            <a:r>
-              <a:rPr lang="en-US" dirty="0" smtClean="0"/>
-              <a:t>Syntax: setobj3=setobj1.intersection(setobj2) </a:t>
-            </a:r>
-            <a:endParaRPr lang="en-US" dirty="0" smtClean="0"/>
-          </a:p>
-          <a:p>
-            <a:r>
-              <a:rPr lang="en-US" dirty="0" smtClean="0"/>
-              <a:t>=&gt;</a:t>
-            </a:r>
-            <a:r>
-              <a:rPr lang="en-US" dirty="0" smtClean="0"/>
-              <a:t>This Function is used for Obtaining Common Element(s) from Both SetObj1 and SetObj2 and Place Resultant Common Elements in SetObj3. </a:t>
-            </a:r>
-            <a:endParaRPr lang="en-US" dirty="0" smtClean="0"/>
+              <a:t> Syntax: setobj3=setobj1.intersection(setobj2) </a:t>
+            </a:r>
+          </a:p>
+          <a:p>
+            <a:r>
+              <a:rPr lang="en-US" dirty="0" smtClean="0"/>
+              <a:t>=&gt;This Function is used for Obtaining Common Element(s) from Both SetObj1 and SetObj2 and Place Resultant Common Elements in SetObj3. </a:t>
+            </a:r>
           </a:p>
           <a:p>
             <a:r>
@@ -5512,55 +5174,31 @@
           <a:p>
             <a:r>
               <a:rPr lang="en-US" dirty="0" smtClean="0"/>
-              <a:t>&gt;&gt;&gt; </a:t>
-            </a:r>
-            <a:r>
-              <a:rPr lang="en-US" dirty="0" smtClean="0"/>
-              <a:t>s1={10,20,30} </a:t>
-            </a:r>
-            <a:endParaRPr lang="en-US" dirty="0" smtClean="0"/>
-          </a:p>
-          <a:p>
-            <a:r>
-              <a:rPr lang="en-US" dirty="0" smtClean="0"/>
-              <a:t>&gt;&gt;&gt; </a:t>
-            </a:r>
-            <a:r>
-              <a:rPr lang="en-US" dirty="0" smtClean="0"/>
-              <a:t>s2={30,40,50} </a:t>
-            </a:r>
-            <a:endParaRPr lang="en-US" dirty="0" smtClean="0"/>
-          </a:p>
-          <a:p>
-            <a:r>
-              <a:rPr lang="en-US" dirty="0" smtClean="0"/>
-              <a:t>&gt;&gt;&gt; </a:t>
-            </a:r>
-            <a:r>
-              <a:rPr lang="en-US" dirty="0" smtClean="0"/>
-              <a:t>s3=s1.intersection(s2) </a:t>
-            </a:r>
-            <a:endParaRPr lang="en-US" dirty="0" smtClean="0"/>
-          </a:p>
-          <a:p>
-            <a:r>
-              <a:rPr lang="en-US" dirty="0" smtClean="0"/>
-              <a:t>&gt;&gt;&gt; </a:t>
-            </a:r>
-            <a:r>
-              <a:rPr lang="en-US" dirty="0" smtClean="0"/>
-              <a:t>print(s3,type(s3))------------{30} &lt;class 'set'&gt; </a:t>
-            </a:r>
-            <a:endParaRPr lang="en-US" dirty="0" smtClean="0"/>
-          </a:p>
-          <a:p>
-            <a:r>
-              <a:rPr lang="en-US" dirty="0" smtClean="0"/>
-              <a:t>&gt;&gt;&gt; </a:t>
-            </a:r>
-            <a:r>
-              <a:rPr lang="en-US" dirty="0" smtClean="0"/>
-              <a:t>{10,20,30}.intersection({"</a:t>
+              <a:t>&gt;&gt;&gt; s1={10,20,30} </a:t>
+            </a:r>
+          </a:p>
+          <a:p>
+            <a:r>
+              <a:rPr lang="en-US" dirty="0" smtClean="0"/>
+              <a:t>&gt;&gt;&gt; s2={30,40,50} </a:t>
+            </a:r>
+          </a:p>
+          <a:p>
+            <a:r>
+              <a:rPr lang="en-US" dirty="0" smtClean="0"/>
+              <a:t>&gt;&gt;&gt; s3=s1.intersection(s2) </a:t>
+            </a:r>
+          </a:p>
+          <a:p>
+            <a:r>
+              <a:rPr lang="en-US" dirty="0" smtClean="0"/>
+              <a:t>&gt;&gt;&gt; print(s3,type(s3))------------{30} &lt;class 'set'&gt; </a:t>
+            </a:r>
+          </a:p>
+          <a:p>
+            <a:r>
+              <a:rPr lang="en-US" dirty="0" smtClean="0"/>
+              <a:t>&gt;&gt;&gt; {10,20,30}.intersection({"</a:t>
             </a:r>
             <a:r>
               <a:rPr lang="en-US" dirty="0" err="1" smtClean="0"/>
@@ -5568,83 +5206,43 @@
             </a:r>
             <a:r>
               <a:rPr lang="en-US" dirty="0" smtClean="0"/>
-              <a:t>"})---------set</a:t>
-            </a:r>
-            <a:r>
-              <a:rPr lang="en-US" dirty="0" smtClean="0"/>
-              <a:t>()</a:t>
-            </a:r>
-          </a:p>
-          <a:p>
-            <a:r>
-              <a:rPr lang="en-US" dirty="0" smtClean="0"/>
-              <a:t> </a:t>
-            </a:r>
-            <a:r>
-              <a:rPr lang="en-US" dirty="0" smtClean="0"/>
-              <a:t>----------------------- </a:t>
-            </a:r>
-            <a:endParaRPr lang="en-US" dirty="0" smtClean="0"/>
-          </a:p>
-          <a:p>
-            <a:r>
-              <a:rPr lang="en-US" dirty="0" smtClean="0"/>
-              <a:t>&gt;&gt;&gt; </a:t>
-            </a:r>
-            <a:r>
-              <a:rPr lang="en-US" dirty="0" smtClean="0"/>
-              <a:t>s1={10,20,30} </a:t>
-            </a:r>
-            <a:endParaRPr lang="en-US" dirty="0" smtClean="0"/>
-          </a:p>
-          <a:p>
-            <a:r>
-              <a:rPr lang="en-US" dirty="0" smtClean="0"/>
-              <a:t>&gt;&gt;&gt; </a:t>
-            </a:r>
-            <a:r>
-              <a:rPr lang="en-US" dirty="0" smtClean="0"/>
-              <a:t>s2={30,40,50} </a:t>
-            </a:r>
-            <a:endParaRPr lang="en-US" dirty="0" smtClean="0"/>
-          </a:p>
-          <a:p>
-            <a:r>
-              <a:rPr lang="en-US" dirty="0" smtClean="0"/>
-              <a:t>&gt;&gt;&gt; </a:t>
-            </a:r>
-            <a:r>
-              <a:rPr lang="en-US" dirty="0" smtClean="0"/>
-              <a:t>s3={15,25} </a:t>
-            </a:r>
-            <a:endParaRPr lang="en-US" dirty="0" smtClean="0"/>
-          </a:p>
-          <a:p>
-            <a:r>
-              <a:rPr lang="en-US" dirty="0" smtClean="0"/>
-              <a:t>&gt;&gt;&gt; </a:t>
-            </a:r>
-            <a:r>
-              <a:rPr lang="en-US" dirty="0" smtClean="0"/>
-              <a:t>s4=s1.intersection(s2,s3</a:t>
-            </a:r>
-            <a:r>
-              <a:rPr lang="en-US" dirty="0" smtClean="0"/>
-              <a:t>)</a:t>
-            </a:r>
-          </a:p>
-          <a:p>
-            <a:r>
-              <a:rPr lang="en-US" dirty="0" smtClean="0"/>
-              <a:t> </a:t>
-            </a:r>
-            <a:r>
-              <a:rPr lang="en-US" dirty="0" smtClean="0"/>
-              <a:t>&gt;&gt;&gt; print(s4,type(s4))-------------set() &lt;class 'set</a:t>
-            </a:r>
-            <a:r>
-              <a:rPr lang="en-US" dirty="0" smtClean="0"/>
-              <a:t>'&gt;</a:t>
+              <a:t>"})---------set()</a:t>
+            </a:r>
+          </a:p>
+          <a:p>
+            <a:r>
+              <a:rPr lang="en-US" dirty="0" smtClean="0"/>
+              <a:t> ----------------------- </a:t>
+            </a:r>
+          </a:p>
+          <a:p>
+            <a:r>
+              <a:rPr lang="en-US" dirty="0" smtClean="0"/>
+              <a:t>&gt;&gt;&gt; s1={10,20,30} </a:t>
+            </a:r>
+          </a:p>
+          <a:p>
+            <a:r>
+              <a:rPr lang="en-US" dirty="0" smtClean="0"/>
+              <a:t>&gt;&gt;&gt; s2={30,40,50} </a:t>
+            </a:r>
+          </a:p>
+          <a:p>
+            <a:r>
+              <a:rPr lang="en-US" dirty="0" smtClean="0"/>
+              <a:t>&gt;&gt;&gt; s3={15,25} </a:t>
+            </a:r>
+          </a:p>
+          <a:p>
+            <a:r>
+              <a:rPr lang="en-US" dirty="0" smtClean="0"/>
+              <a:t>&gt;&gt;&gt; s4=s1.intersection(s2,s3)</a:t>
+            </a:r>
+          </a:p>
+          <a:p>
+            <a:r>
+              <a:rPr lang="en-US" dirty="0" smtClean="0"/>
+              <a:t> &gt;&gt;&gt; print(s4,type(s4))-------------set() &lt;class 'set'&gt;</a:t>
             </a:r>
           </a:p>
         </p:txBody>
@@ -5716,38 +5314,20 @@
           <a:p>
             <a:r>
               <a:rPr lang="en-US" dirty="0" smtClean="0"/>
-              <a:t> </a:t>
-            </a:r>
-            <a:r>
-              <a:rPr lang="en-US" dirty="0" smtClean="0"/>
-              <a:t>=&gt;Syntax: setobj3=setobj1.difference(setobj2) </a:t>
-            </a:r>
-            <a:endParaRPr lang="en-US" dirty="0" smtClean="0"/>
-          </a:p>
-          <a:p>
-            <a:r>
-              <a:rPr lang="en-US" dirty="0" smtClean="0"/>
-              <a:t>=&gt;</a:t>
-            </a:r>
-            <a:r>
-              <a:rPr lang="en-US" dirty="0" smtClean="0"/>
-              <a:t>This function is used for Removing the Common Elements from Both Setobj1 and SetObj2 and Takes Remaining Elements from SetObj1 and Place them in setobj3</a:t>
-            </a:r>
-            <a:r>
-              <a:rPr lang="en-US" dirty="0" smtClean="0"/>
-              <a:t>.</a:t>
-            </a:r>
-          </a:p>
-          <a:p>
-            <a:r>
-              <a:rPr lang="en-US" dirty="0" smtClean="0"/>
-              <a:t> </a:t>
-            </a:r>
-            <a:r>
-              <a:rPr lang="en-US" dirty="0" smtClean="0"/>
-              <a:t>----------------------------------- </a:t>
-            </a:r>
-            <a:endParaRPr lang="en-US" dirty="0" smtClean="0"/>
+              <a:t> =&gt;Syntax: setobj3=setobj1.difference(setobj2) </a:t>
+            </a:r>
+          </a:p>
+          <a:p>
+            <a:r>
+              <a:rPr lang="en-US" dirty="0" smtClean="0"/>
+              <a:t>=&gt;This function is used for Removing the Common Elements from Both Setobj1 and SetObj2 and Takes Remaining Elements from SetObj1 and Place them in setobj3.</a:t>
+            </a:r>
+          </a:p>
+          <a:p>
+            <a:r>
+              <a:rPr lang="en-US" dirty="0" smtClean="0"/>
+              <a:t> ----------------------------------- </a:t>
+            </a:r>
           </a:p>
           <a:p>
             <a:r>
@@ -5758,102 +5338,55 @@
           <a:p>
             <a:r>
               <a:rPr lang="en-US" dirty="0" smtClean="0"/>
-              <a:t> </a:t>
-            </a:r>
-            <a:r>
-              <a:rPr lang="en-US" dirty="0" smtClean="0"/>
-              <a:t>----------------------------------- </a:t>
-            </a:r>
-            <a:endParaRPr lang="en-US" dirty="0" smtClean="0"/>
-          </a:p>
-          <a:p>
-            <a:r>
-              <a:rPr lang="en-US" dirty="0" smtClean="0"/>
-              <a:t>&gt;&gt;&gt; </a:t>
-            </a:r>
-            <a:r>
-              <a:rPr lang="en-US" dirty="0" smtClean="0"/>
-              <a:t>s1={10,20,30,40</a:t>
-            </a:r>
-            <a:r>
-              <a:rPr lang="en-US" dirty="0" smtClean="0"/>
-              <a:t>}</a:t>
-            </a:r>
-          </a:p>
-          <a:p>
-            <a:r>
-              <a:rPr lang="en-US" dirty="0" smtClean="0"/>
-              <a:t> </a:t>
-            </a:r>
-            <a:r>
-              <a:rPr lang="en-US" dirty="0" smtClean="0"/>
-              <a:t>&gt;&gt;&gt; s2={30,40,50,60} </a:t>
-            </a:r>
-            <a:endParaRPr lang="en-US" dirty="0" smtClean="0"/>
-          </a:p>
-          <a:p>
-            <a:r>
-              <a:rPr lang="en-US" dirty="0" smtClean="0"/>
-              <a:t>&gt;&gt;&gt; </a:t>
-            </a:r>
-            <a:r>
-              <a:rPr lang="en-US" dirty="0" smtClean="0"/>
-              <a:t>s3=s1.difference(s2) </a:t>
-            </a:r>
-            <a:endParaRPr lang="en-US" dirty="0" smtClean="0"/>
-          </a:p>
-          <a:p>
-            <a:r>
-              <a:rPr lang="en-US" dirty="0" smtClean="0"/>
-              <a:t>&gt;&gt;&gt; </a:t>
-            </a:r>
-            <a:r>
-              <a:rPr lang="en-US" dirty="0" smtClean="0"/>
-              <a:t>print(s3,type(s3))------------------{10, 20} &lt;class 'set'&gt; </a:t>
-            </a:r>
-            <a:endParaRPr lang="en-US" dirty="0" smtClean="0"/>
-          </a:p>
-          <a:p>
-            <a:r>
-              <a:rPr lang="en-US" dirty="0" smtClean="0"/>
-              <a:t>&gt;&gt;&gt; </a:t>
-            </a:r>
-            <a:r>
-              <a:rPr lang="en-US" dirty="0" smtClean="0"/>
-              <a:t>s4=s2.difference(s1) </a:t>
-            </a:r>
-            <a:endParaRPr lang="en-US" dirty="0" smtClean="0"/>
-          </a:p>
-          <a:p>
-            <a:r>
-              <a:rPr lang="en-US" dirty="0" smtClean="0"/>
-              <a:t>&gt;&gt;&gt; </a:t>
-            </a:r>
-            <a:r>
-              <a:rPr lang="en-US" dirty="0" smtClean="0"/>
-              <a:t>print(s4,type(s4))-----------------{50, 60} &lt;class 'set'&gt; </a:t>
-            </a:r>
-            <a:endParaRPr lang="en-US" dirty="0" smtClean="0"/>
-          </a:p>
-          <a:p>
-            <a:r>
-              <a:rPr lang="en-US" dirty="0" smtClean="0"/>
-              <a:t>&gt;&gt;&gt; </a:t>
-            </a:r>
-            <a:r>
-              <a:rPr lang="en-US" dirty="0" smtClean="0"/>
-              <a:t>{10,20}.difference({10,20}).difference({"A","E"})-----------set() </a:t>
-            </a:r>
-            <a:endParaRPr lang="en-US" dirty="0" smtClean="0"/>
-          </a:p>
-          <a:p>
-            <a:r>
-              <a:rPr lang="en-US" dirty="0" smtClean="0"/>
-              <a:t>&gt;&gt;&gt; </a:t>
-            </a:r>
-            <a:r>
-              <a:rPr lang="en-US" dirty="0" smtClean="0"/>
-              <a:t>{"A","E"}.difference({10,20}).difference({10,20})----------{'E', 'A'}</a:t>
+              <a:t> ----------------------------------- </a:t>
+            </a:r>
+          </a:p>
+          <a:p>
+            <a:r>
+              <a:rPr lang="en-US" dirty="0" smtClean="0"/>
+              <a:t>&gt;&gt;&gt; s1={10,20,30,40}</a:t>
+            </a:r>
+          </a:p>
+          <a:p>
+            <a:r>
+              <a:rPr lang="en-US" dirty="0" smtClean="0"/>
+              <a:t> &gt;&gt;&gt; s2={30,40,50,60} </a:t>
+            </a:r>
+          </a:p>
+          <a:p>
+            <a:r>
+              <a:rPr lang="en-US" dirty="0" smtClean="0"/>
+              <a:t>&gt;&gt;&gt; s3=s1.difference(s2) </a:t>
+            </a:r>
+          </a:p>
+          <a:p>
+            <a:r>
+              <a:rPr lang="en-US" dirty="0" smtClean="0"/>
+              <a:t>&gt;&gt;&gt; print(s3,type(s3))------------------{10, 20} &lt;class 'set'&gt; </a:t>
+            </a:r>
+          </a:p>
+          <a:p>
+            <a:r>
+              <a:rPr lang="en-US" dirty="0" smtClean="0"/>
+              <a:t>&gt;&gt;&gt; s4=s2.difference(s1) </a:t>
+            </a:r>
+          </a:p>
+          <a:p>
+            <a:r>
+              <a:rPr lang="en-US" dirty="0" smtClean="0"/>
+              <a:t>&gt;&gt;&gt; print(s4,type(s4))-----------------{50, 60} &lt;class 'set'&gt; </a:t>
+            </a:r>
+          </a:p>
+          <a:p>
+            <a:r>
+              <a:rPr lang="en-US" dirty="0" smtClean="0"/>
+              <a:t>&gt;&gt;&gt; {10,20}.difference({10,20}).difference({"A","E"})-----------set() </a:t>
+            </a:r>
+          </a:p>
+          <a:p>
+            <a:r>
+              <a:rPr lang="en-US" dirty="0" smtClean="0"/>
+              <a:t>&gt;&gt;&gt; {"A","E"}.difference({10,20}).difference({10,20})----------{'E', 'A'}</a:t>
             </a:r>
             <a:endParaRPr lang="en-US" dirty="0"/>
           </a:p>
@@ -5926,32 +5459,19 @@
           <a:p>
             <a:r>
               <a:rPr lang="en-US" dirty="0" smtClean="0"/>
-              <a:t>=&gt;</a:t>
-            </a:r>
-            <a:r>
-              <a:rPr lang="en-US" dirty="0" smtClean="0"/>
-              <a:t>On the Object of set, we can Perform Various Operations by using Pre-Defined Functions Present in set object. </a:t>
-            </a:r>
-            <a:endParaRPr lang="en-US" dirty="0" smtClean="0"/>
-          </a:p>
-          <a:p>
-            <a:r>
-              <a:rPr lang="en-US" dirty="0" smtClean="0"/>
-              <a:t>1</a:t>
-            </a:r>
-            <a:r>
-              <a:rPr lang="en-US" dirty="0" smtClean="0"/>
-              <a:t>. add() </a:t>
-            </a:r>
-          </a:p>
-          <a:p>
-            <a:r>
-              <a:rPr lang="en-US" dirty="0" smtClean="0"/>
-              <a:t> </a:t>
-            </a:r>
-            <a:r>
-              <a:rPr lang="en-US" dirty="0" smtClean="0"/>
-              <a:t>=&gt;Syntax: </a:t>
+              <a:t>=&gt;On the Object of set, we can Perform Various Operations by using Pre-Defined Functions Present in set object. </a:t>
+            </a:r>
+          </a:p>
+          <a:p>
+            <a:r>
+              <a:rPr lang="en-US" dirty="0" smtClean="0"/>
+              <a:t>1. add() </a:t>
+            </a:r>
+          </a:p>
+          <a:p>
+            <a:r>
+              <a:rPr lang="en-US" dirty="0" smtClean="0"/>
+              <a:t> =&gt;Syntax: </a:t>
             </a:r>
             <a:r>
               <a:rPr lang="en-US" dirty="0" err="1" smtClean="0"/>
@@ -5961,16 +5481,11 @@
               <a:rPr lang="en-US" dirty="0" smtClean="0"/>
               <a:t>(value) </a:t>
             </a:r>
-            <a:endParaRPr lang="en-US" dirty="0" smtClean="0"/>
-          </a:p>
-          <a:p>
-            <a:r>
-              <a:rPr lang="en-US" dirty="0" smtClean="0"/>
-              <a:t>=&gt;</a:t>
-            </a:r>
-            <a:r>
-              <a:rPr lang="en-US" dirty="0" smtClean="0"/>
-              <a:t>This Function is used for adding an Element to set object </a:t>
+          </a:p>
+          <a:p>
+            <a:r>
+              <a:rPr lang="en-US" dirty="0" smtClean="0"/>
+              <a:t>=&gt;This Function is used for adding an Element to set object </a:t>
             </a:r>
             <a:endParaRPr lang="en-US" dirty="0"/>
           </a:p>
@@ -6033,13 +5548,17 @@
         <p:spPr/>
         <p:txBody>
           <a:bodyPr>
-            <a:normAutofit fontScale="32500" lnSpcReduction="20000"/>
+            <a:normAutofit fontScale="77500" lnSpcReduction="20000"/>
           </a:bodyPr>
           <a:lstStyle/>
           <a:p>
             <a:r>
               <a:rPr lang="en-US" dirty="0" smtClean="0"/>
-              <a:t>------------------------------------------------------------------------------------------------------------------------------------------------------------ 13. </a:t>
+              <a:t> </a:t>
+            </a:r>
+            <a:r>
+              <a:rPr lang="en-US" dirty="0" smtClean="0"/>
+              <a:t>13. </a:t>
             </a:r>
             <a:r>
               <a:rPr lang="en-US" dirty="0" err="1" smtClean="0"/>
@@ -6047,7 +5566,112 @@
             </a:r>
             <a:r>
               <a:rPr lang="en-US" dirty="0" smtClean="0"/>
-              <a:t>() ------------------------------------------------------------------------------------------------------------------------------------------------------------ =&gt;Syntax: setobj3=setobj1.symmetric_difference(setobj2) OR =&gt;Syntax By Formula1: setobj3=setobj1.union(setobj2).difference(setob1.intersection(setobj2)) =&gt;Syntax By Formula2: setobj3=(setobj1.difference(setobj2)).union(setob2.difference(setobj1)) =&gt;This Function Removes the Common Elements from Both SetObj1 and SetObj2 and Take the Remaining Elements from Both SetObj1 and Setobj2 and Place them in SetObj3. ---------------------- Examples ---------------------- &gt;&gt;&gt; s1={10,20,30} &gt;&gt;&gt; s2={20,30,40,50} &gt;&gt;&gt; s3=s1.symmetric_difference(s2) &gt;&gt;&gt; print(s3,type(s3))-------------------{40, 10, 50} &lt;class 'set'&gt; &gt;&gt;&gt; s4=s2.symmetric_difference(s1) &gt;&gt;&gt; print(s4,type(s4))------------------{40, 10, 50} &lt;class 'set'&gt; &gt;&gt;&gt; {10,20,30}.</a:t>
+              <a:t>() </a:t>
+            </a:r>
+            <a:endParaRPr lang="en-US" dirty="0" smtClean="0"/>
+          </a:p>
+          <a:p>
+            <a:r>
+              <a:rPr lang="en-US" dirty="0" smtClean="0"/>
+              <a:t> </a:t>
+            </a:r>
+            <a:r>
+              <a:rPr lang="en-US" dirty="0" smtClean="0"/>
+              <a:t>=&gt;Syntax: setobj3=setobj1.symmetric_difference(setobj2) </a:t>
+            </a:r>
+            <a:endParaRPr lang="en-US" dirty="0" smtClean="0"/>
+          </a:p>
+          <a:p>
+            <a:pPr lvl="1"/>
+            <a:r>
+              <a:rPr lang="en-US" dirty="0" smtClean="0"/>
+              <a:t>OR </a:t>
+            </a:r>
+          </a:p>
+          <a:p>
+            <a:r>
+              <a:rPr lang="en-US" dirty="0" smtClean="0"/>
+              <a:t>=&gt;</a:t>
+            </a:r>
+            <a:r>
+              <a:rPr lang="en-US" dirty="0" smtClean="0"/>
+              <a:t>Syntax By Formula1: setobj3=setobj1.union(setobj2).difference(setob1.intersection(setobj2)) </a:t>
+            </a:r>
+            <a:endParaRPr lang="en-US" dirty="0" smtClean="0"/>
+          </a:p>
+          <a:p>
+            <a:r>
+              <a:rPr lang="en-US" dirty="0" smtClean="0"/>
+              <a:t>=&gt;</a:t>
+            </a:r>
+            <a:r>
+              <a:rPr lang="en-US" dirty="0" smtClean="0"/>
+              <a:t>Syntax By Formula2: setobj3=(setobj1.difference(setobj2)).union(setob2.difference(setobj1)) </a:t>
+            </a:r>
+            <a:endParaRPr lang="en-US" dirty="0" smtClean="0"/>
+          </a:p>
+          <a:p>
+            <a:r>
+              <a:rPr lang="en-US" dirty="0" smtClean="0"/>
+              <a:t>=&gt;</a:t>
+            </a:r>
+            <a:r>
+              <a:rPr lang="en-US" dirty="0" smtClean="0"/>
+              <a:t>This Function Removes the Common Elements from Both SetObj1 and SetObj2 and Take the Remaining Elements from Both SetObj1 and Setobj2 and Place them in </a:t>
+            </a:r>
+            <a:r>
+              <a:rPr lang="en-US" dirty="0" smtClean="0"/>
+              <a:t>SetObj3</a:t>
+            </a:r>
+            <a:endParaRPr lang="en-US" b="1" dirty="0"/>
+          </a:p>
+        </p:txBody>
+      </p:sp>
+    </p:spTree>
+  </p:cSld>
+  <p:clrMapOvr>
+    <a:masterClrMapping/>
+  </p:clrMapOvr>
+</p:sld>
+</file>
+
+<file path=ppt/slides/slide21.xml><?xml version="1.0" encoding="utf-8"?>
+<p:sld xmlns:a="http://schemas.openxmlformats.org/drawingml/2006/main" xmlns:r="http://schemas.openxmlformats.org/officeDocument/2006/relationships" xmlns:p="http://schemas.openxmlformats.org/presentationml/2006/main">
+  <p:cSld>
+    <p:spTree>
+      <p:nvGrpSpPr>
+        <p:cNvPr id="1" name=""/>
+        <p:cNvGrpSpPr/>
+        <p:nvPr/>
+      </p:nvGrpSpPr>
+      <p:grpSpPr>
+        <a:xfrm>
+          <a:off x="0" y="0"/>
+          <a:ext cx="0" cy="0"/>
+          <a:chOff x="0" y="0"/>
+          <a:chExt cx="0" cy="0"/>
+        </a:xfrm>
+      </p:grpSpPr>
+      <p:sp>
+        <p:nvSpPr>
+          <p:cNvPr id="2" name="Title 1"/>
+          <p:cNvSpPr>
+            <a:spLocks noGrp="1"/>
+          </p:cNvSpPr>
+          <p:nvPr>
+            <p:ph type="title"/>
+          </p:nvPr>
+        </p:nvSpPr>
+        <p:spPr/>
+        <p:txBody>
+          <a:bodyPr>
+            <a:normAutofit fontScale="90000"/>
+          </a:bodyPr>
+          <a:lstStyle/>
+          <a:p>
+            <a:r>
+              <a:rPr lang="en-US" dirty="0" smtClean="0"/>
+              <a:t>Example:-</a:t>
             </a:r>
             <a:r>
               <a:rPr lang="en-US" dirty="0" err="1" smtClean="0"/>
@@ -6055,7 +5679,113 @@
             </a:r>
             <a:r>
               <a:rPr lang="en-US" dirty="0" smtClean="0"/>
-              <a:t>({1,2,3})----------{1, 2, 3, 10, 20, 30} &gt;&gt;&gt; {10,20,30}.</a:t>
+              <a:t>()</a:t>
+            </a:r>
+            <a:endParaRPr lang="en-US" dirty="0"/>
+          </a:p>
+        </p:txBody>
+      </p:sp>
+      <p:sp>
+        <p:nvSpPr>
+          <p:cNvPr id="3" name="Content Placeholder 2"/>
+          <p:cNvSpPr>
+            <a:spLocks noGrp="1"/>
+          </p:cNvSpPr>
+          <p:nvPr>
+            <p:ph idx="1"/>
+          </p:nvPr>
+        </p:nvSpPr>
+        <p:spPr/>
+        <p:txBody>
+          <a:bodyPr>
+            <a:normAutofit fontScale="62500" lnSpcReduction="20000"/>
+          </a:bodyPr>
+          <a:lstStyle/>
+          <a:p>
+            <a:r>
+              <a:rPr lang="en-US" dirty="0" smtClean="0"/>
+              <a:t>Examples </a:t>
+            </a:r>
+          </a:p>
+          <a:p>
+            <a:r>
+              <a:rPr lang="en-US" dirty="0" smtClean="0"/>
+              <a:t>----------------------</a:t>
+            </a:r>
+          </a:p>
+          <a:p>
+            <a:r>
+              <a:rPr lang="en-US" dirty="0" smtClean="0"/>
+              <a:t> </a:t>
+            </a:r>
+            <a:r>
+              <a:rPr lang="en-US" dirty="0" smtClean="0"/>
+              <a:t>&gt;&gt;&gt; s1={10,20,30} </a:t>
+            </a:r>
+            <a:endParaRPr lang="en-US" dirty="0" smtClean="0"/>
+          </a:p>
+          <a:p>
+            <a:r>
+              <a:rPr lang="en-US" dirty="0" smtClean="0"/>
+              <a:t>&gt;&gt;&gt; </a:t>
+            </a:r>
+            <a:r>
+              <a:rPr lang="en-US" dirty="0" smtClean="0"/>
+              <a:t>s2={20,30,40,50} </a:t>
+            </a:r>
+            <a:endParaRPr lang="en-US" dirty="0" smtClean="0"/>
+          </a:p>
+          <a:p>
+            <a:r>
+              <a:rPr lang="en-US" dirty="0" smtClean="0"/>
+              <a:t>&gt;&gt;&gt; </a:t>
+            </a:r>
+            <a:r>
+              <a:rPr lang="en-US" dirty="0" smtClean="0"/>
+              <a:t>s3=s1.symmetric_difference(s2) </a:t>
+            </a:r>
+            <a:endParaRPr lang="en-US" dirty="0" smtClean="0"/>
+          </a:p>
+          <a:p>
+            <a:r>
+              <a:rPr lang="en-US" dirty="0" smtClean="0"/>
+              <a:t>&gt;&gt;&gt; </a:t>
+            </a:r>
+            <a:r>
+              <a:rPr lang="en-US" dirty="0" smtClean="0"/>
+              <a:t>print(s3,type(s3))-------------------{40, 10, 50} &lt;class 'set'&gt; </a:t>
+            </a:r>
+          </a:p>
+          <a:p>
+            <a:r>
+              <a:rPr lang="en-US" dirty="0" smtClean="0"/>
+              <a:t>&gt;&gt;&gt; </a:t>
+            </a:r>
+            <a:r>
+              <a:rPr lang="en-US" dirty="0" smtClean="0"/>
+              <a:t>s4=s2.symmetric_difference(s1) </a:t>
+            </a:r>
+            <a:endParaRPr lang="en-US" dirty="0" smtClean="0"/>
+          </a:p>
+          <a:p>
+            <a:r>
+              <a:rPr lang="en-US" dirty="0" smtClean="0"/>
+              <a:t>&gt;&gt;&gt; </a:t>
+            </a:r>
+            <a:r>
+              <a:rPr lang="en-US" dirty="0" smtClean="0"/>
+              <a:t>print(s4,type(s4))------------------{40, 10, 50} &lt;class 'set'&gt; </a:t>
+            </a:r>
+            <a:endParaRPr lang="en-US" dirty="0" smtClean="0"/>
+          </a:p>
+          <a:p>
+            <a:r>
+              <a:rPr lang="en-US" dirty="0" smtClean="0"/>
+              <a:t>&gt;&gt;&gt; </a:t>
+            </a:r>
+            <a:r>
+              <a:rPr lang="en-US" dirty="0" smtClean="0"/>
+              <a:t>{10,20,30}.</a:t>
             </a:r>
             <a:r>
               <a:rPr lang="en-US" dirty="0" err="1" smtClean="0"/>
@@ -6063,7 +5793,165 @@
             </a:r>
             <a:r>
               <a:rPr lang="en-US" dirty="0" smtClean="0"/>
-              <a:t>({10,20,30})--------set() &gt;&gt;&gt; s1={10,20,30} &gt;&gt;&gt; s2={20,30,40,50} ---------------------------------------------- &gt;&gt;&gt; s3=s1.union(s2).difference(s1.intersection(s2)) &gt;&gt;&gt; print(s3,type(s3))--------------------{40, 50, 10} &lt;class 'set'&gt; OR &gt;&gt;&gt; s4=(s1.difference(s2)).union(s2.difference(s1)) &gt;&gt;&gt; print(s4,type(s4))---------------------{40, 10, 50} &lt;class 'set'&gt; ------------------------------------------------------------------------------------------------------------------------------------------------------------ 14. </a:t>
+              <a:t>({1,2,3})----------{1, 2, 3, 10, 20, 30} </a:t>
+            </a:r>
+            <a:endParaRPr lang="en-US" dirty="0" smtClean="0"/>
+          </a:p>
+          <a:p>
+            <a:r>
+              <a:rPr lang="en-US" dirty="0" smtClean="0"/>
+              <a:t>&gt;&gt;&gt; </a:t>
+            </a:r>
+            <a:r>
+              <a:rPr lang="en-US" dirty="0" smtClean="0"/>
+              <a:t>{10,20,30}.</a:t>
+            </a:r>
+            <a:r>
+              <a:rPr lang="en-US" dirty="0" err="1" smtClean="0"/>
+              <a:t>symmetric_difference</a:t>
+            </a:r>
+            <a:r>
+              <a:rPr lang="en-US" dirty="0" smtClean="0"/>
+              <a:t>({10,20,30})--------set() </a:t>
+            </a:r>
+            <a:endParaRPr lang="en-US" dirty="0" smtClean="0"/>
+          </a:p>
+          <a:p>
+            <a:r>
+              <a:rPr lang="en-US" dirty="0" smtClean="0"/>
+              <a:t>&gt;&gt;&gt; </a:t>
+            </a:r>
+            <a:r>
+              <a:rPr lang="en-US" dirty="0" smtClean="0"/>
+              <a:t>s1={10,20,30} </a:t>
+            </a:r>
+            <a:endParaRPr lang="en-US" dirty="0" smtClean="0"/>
+          </a:p>
+          <a:p>
+            <a:r>
+              <a:rPr lang="en-US" dirty="0" smtClean="0"/>
+              <a:t>&gt;&gt;&gt; </a:t>
+            </a:r>
+            <a:r>
+              <a:rPr lang="en-US" dirty="0" smtClean="0"/>
+              <a:t>s2={20,30,40,50} </a:t>
+            </a:r>
+            <a:endParaRPr lang="en-US" dirty="0" smtClean="0"/>
+          </a:p>
+          <a:p>
+            <a:r>
+              <a:rPr lang="en-US" dirty="0" smtClean="0"/>
+              <a:t>---------------------------------------------- </a:t>
+            </a:r>
+          </a:p>
+          <a:p>
+            <a:r>
+              <a:rPr lang="en-US" dirty="0" smtClean="0"/>
+              <a:t>&gt;&gt;&gt; </a:t>
+            </a:r>
+            <a:r>
+              <a:rPr lang="en-US" dirty="0" smtClean="0"/>
+              <a:t>s3=s1.union(s2).difference(s1.intersection(s2)) </a:t>
+            </a:r>
+            <a:endParaRPr lang="en-US" dirty="0" smtClean="0"/>
+          </a:p>
+          <a:p>
+            <a:r>
+              <a:rPr lang="en-US" dirty="0" smtClean="0"/>
+              <a:t>&gt;&gt;&gt; </a:t>
+            </a:r>
+            <a:r>
+              <a:rPr lang="en-US" dirty="0" smtClean="0"/>
+              <a:t>print(s3,type(s3))--------------------{40, 50, 10} &lt;class 'set</a:t>
+            </a:r>
+            <a:r>
+              <a:rPr lang="en-US" dirty="0" smtClean="0"/>
+              <a:t>'&gt;</a:t>
+            </a:r>
+          </a:p>
+          <a:p>
+            <a:r>
+              <a:rPr lang="en-US" dirty="0" smtClean="0"/>
+              <a:t> </a:t>
+            </a:r>
+            <a:r>
+              <a:rPr lang="en-US" dirty="0" smtClean="0"/>
+              <a:t>OR </a:t>
+            </a:r>
+            <a:endParaRPr lang="en-US" dirty="0" smtClean="0"/>
+          </a:p>
+          <a:p>
+            <a:r>
+              <a:rPr lang="en-US" dirty="0" smtClean="0"/>
+              <a:t>&gt;&gt;&gt; </a:t>
+            </a:r>
+            <a:r>
+              <a:rPr lang="en-US" dirty="0" smtClean="0"/>
+              <a:t>s4=(s1.difference(s2)).union(s2.difference(s1)) </a:t>
+            </a:r>
+            <a:endParaRPr lang="en-US" dirty="0" smtClean="0"/>
+          </a:p>
+          <a:p>
+            <a:r>
+              <a:rPr lang="en-US" dirty="0" smtClean="0"/>
+              <a:t>&gt;&gt;&gt; </a:t>
+            </a:r>
+            <a:r>
+              <a:rPr lang="en-US" dirty="0" smtClean="0"/>
+              <a:t>print(s4,type(s4))---------------------{40, 10, 50} &lt;class 'set'&gt;</a:t>
+            </a:r>
+            <a:endParaRPr lang="en-US" b="1" dirty="0" smtClean="0"/>
+          </a:p>
+          <a:p>
+            <a:endParaRPr lang="en-US" dirty="0"/>
+          </a:p>
+        </p:txBody>
+      </p:sp>
+    </p:spTree>
+  </p:cSld>
+  <p:clrMapOvr>
+    <a:masterClrMapping/>
+  </p:clrMapOvr>
+</p:sld>
+</file>
+
+<file path=ppt/slides/slide22.xml><?xml version="1.0" encoding="utf-8"?>
+<p:sld xmlns:a="http://schemas.openxmlformats.org/drawingml/2006/main" xmlns:r="http://schemas.openxmlformats.org/officeDocument/2006/relationships" xmlns:p="http://schemas.openxmlformats.org/presentationml/2006/main">
+  <p:cSld>
+    <p:spTree>
+      <p:nvGrpSpPr>
+        <p:cNvPr id="1" name=""/>
+        <p:cNvGrpSpPr/>
+        <p:nvPr/>
+      </p:nvGrpSpPr>
+      <p:grpSpPr>
+        <a:xfrm>
+          <a:off x="0" y="0"/>
+          <a:ext cx="0" cy="0"/>
+          <a:chOff x="0" y="0"/>
+          <a:chExt cx="0" cy="0"/>
+        </a:xfrm>
+      </p:grpSpPr>
+      <p:sp>
+        <p:nvSpPr>
+          <p:cNvPr id="2" name="Title 1"/>
+          <p:cNvSpPr>
+            <a:spLocks noGrp="1"/>
+          </p:cNvSpPr>
+          <p:nvPr>
+            <p:ph type="title"/>
+          </p:nvPr>
+        </p:nvSpPr>
+        <p:spPr/>
+        <p:txBody>
+          <a:bodyPr>
+            <a:normAutofit/>
+          </a:bodyPr>
+          <a:lstStyle/>
+          <a:p>
+            <a:r>
+              <a:rPr lang="en-US" dirty="0" smtClean="0"/>
+              <a:t> 14. </a:t>
             </a:r>
             <a:r>
               <a:rPr lang="en-US" dirty="0" err="1" smtClean="0"/>
@@ -6071,7 +5959,119 @@
             </a:r>
             <a:r>
               <a:rPr lang="en-US" dirty="0" smtClean="0"/>
-              <a:t>() ------------------------------------------------------------------------------------------------------------------------------------------------------------ Syntax: setobj3=setobj1.difference_update(setobj2) ----------- =&gt;This function is used for Removing the Common Elements from Both Setobj1 and SetObj2 and Takes Remaining Elements from SetObj1 and Place them in setobj1 Itself and the Value of setObj3 contains None. --------------------- Examples --------------------- &gt;&gt;&gt; s1={10,20,30} &gt;&gt;&gt; s2={20,30,40,50} &gt;&gt;&gt; s3=s1.difference_update(s2) &gt;&gt;&gt; print(s3,type(s3))--------------------None &lt;class '</a:t>
+              <a:t>() </a:t>
+            </a:r>
+            <a:endParaRPr lang="en-US" dirty="0"/>
+          </a:p>
+        </p:txBody>
+      </p:sp>
+      <p:sp>
+        <p:nvSpPr>
+          <p:cNvPr id="3" name="Content Placeholder 2"/>
+          <p:cNvSpPr>
+            <a:spLocks noGrp="1"/>
+          </p:cNvSpPr>
+          <p:nvPr>
+            <p:ph idx="1"/>
+          </p:nvPr>
+        </p:nvSpPr>
+        <p:spPr/>
+        <p:txBody>
+          <a:bodyPr>
+            <a:normAutofit fontScale="70000" lnSpcReduction="20000"/>
+          </a:bodyPr>
+          <a:lstStyle/>
+          <a:p>
+            <a:r>
+              <a:rPr lang="en-US" dirty="0" smtClean="0"/>
+              <a:t> </a:t>
+            </a:r>
+            <a:r>
+              <a:rPr lang="en-US" b="1" dirty="0" smtClean="0"/>
+              <a:t>14. </a:t>
+            </a:r>
+            <a:r>
+              <a:rPr lang="en-US" b="1" dirty="0" err="1" smtClean="0"/>
+              <a:t>difference_update</a:t>
+            </a:r>
+            <a:r>
+              <a:rPr lang="en-US" b="1" dirty="0" smtClean="0"/>
+              <a:t>() </a:t>
+            </a:r>
+            <a:endParaRPr lang="en-US" b="1" dirty="0" smtClean="0"/>
+          </a:p>
+          <a:p>
+            <a:r>
+              <a:rPr lang="en-US" dirty="0" smtClean="0"/>
+              <a:t>Syntax</a:t>
+            </a:r>
+            <a:r>
+              <a:rPr lang="en-US" dirty="0" smtClean="0"/>
+              <a:t>: setobj3=setobj1.difference_update(setobj2</a:t>
+            </a:r>
+            <a:r>
+              <a:rPr lang="en-US" dirty="0" smtClean="0"/>
+              <a:t>) </a:t>
+            </a:r>
+          </a:p>
+          <a:p>
+            <a:r>
+              <a:rPr lang="en-US" dirty="0" smtClean="0"/>
+              <a:t>=&gt;</a:t>
+            </a:r>
+            <a:r>
+              <a:rPr lang="en-US" dirty="0" smtClean="0"/>
+              <a:t>This function is used for Removing the Common Elements from Both Setobj1 and SetObj2 and Takes Remaining Elements from SetObj1 and Place them in setobj1 Itself and the Value of setObj3 contains None. </a:t>
+            </a:r>
+            <a:endParaRPr lang="en-US" dirty="0" smtClean="0"/>
+          </a:p>
+          <a:p>
+            <a:r>
+              <a:rPr lang="en-US" b="1" dirty="0" smtClean="0"/>
+              <a:t>Examples </a:t>
+            </a:r>
+          </a:p>
+          <a:p>
+            <a:r>
+              <a:rPr lang="en-US" dirty="0" smtClean="0"/>
+              <a:t> </a:t>
+            </a:r>
+            <a:r>
+              <a:rPr lang="en-US" dirty="0" smtClean="0"/>
+              <a:t>&gt;&gt;&gt; s1={10,20,30} </a:t>
+            </a:r>
+            <a:endParaRPr lang="en-US" dirty="0" smtClean="0"/>
+          </a:p>
+          <a:p>
+            <a:r>
+              <a:rPr lang="en-US" dirty="0" smtClean="0"/>
+              <a:t>&gt;&gt;&gt; </a:t>
+            </a:r>
+            <a:r>
+              <a:rPr lang="en-US" dirty="0" smtClean="0"/>
+              <a:t>s2={20,30,40,50} </a:t>
+            </a:r>
+            <a:endParaRPr lang="en-US" dirty="0" smtClean="0"/>
+          </a:p>
+          <a:p>
+            <a:r>
+              <a:rPr lang="en-US" dirty="0" smtClean="0"/>
+              <a:t>&gt;&gt;&gt; </a:t>
+            </a:r>
+            <a:r>
+              <a:rPr lang="en-US" dirty="0" smtClean="0"/>
+              <a:t>s3=s1.difference_update(s2) </a:t>
+            </a:r>
+            <a:endParaRPr lang="en-US" dirty="0" smtClean="0"/>
+          </a:p>
+          <a:p>
+            <a:r>
+              <a:rPr lang="en-US" dirty="0" smtClean="0"/>
+              <a:t>&gt;&gt;&gt; </a:t>
+            </a:r>
+            <a:r>
+              <a:rPr lang="en-US" dirty="0" smtClean="0"/>
+              <a:t>print(s3,type(s3))--------------------None &lt;class '</a:t>
             </a:r>
             <a:r>
               <a:rPr lang="en-US" dirty="0" err="1" smtClean="0"/>
@@ -6079,7 +6079,119 @@
             </a:r>
             <a:r>
               <a:rPr lang="en-US" dirty="0" smtClean="0"/>
-              <a:t>'&gt; &gt;&gt;&gt; print(s1,type(s1))--------------------{10} &lt;class 'set'&gt; &gt;&gt;&gt; s1={10,20,30} &gt;&gt;&gt; s2={20,30,40,50} &gt;&gt;&gt; s2.difference_update(s1) &gt;&gt;&gt; print(s2)--------------------------------{50, 40} ------------------------------------------------------------------------------------------------------------------------------------------------------------ 15. </a:t>
+              <a:t>'&gt; </a:t>
+            </a:r>
+            <a:endParaRPr lang="en-US" dirty="0" smtClean="0"/>
+          </a:p>
+          <a:p>
+            <a:r>
+              <a:rPr lang="en-US" dirty="0" smtClean="0"/>
+              <a:t>&gt;&gt;&gt; </a:t>
+            </a:r>
+            <a:r>
+              <a:rPr lang="en-US" dirty="0" smtClean="0"/>
+              <a:t>print(s1,type(s1))--------------------{10} &lt;class 'set'&gt; </a:t>
+            </a:r>
+            <a:endParaRPr lang="en-US" dirty="0" smtClean="0"/>
+          </a:p>
+          <a:p>
+            <a:r>
+              <a:rPr lang="en-US" dirty="0" smtClean="0"/>
+              <a:t>&gt;&gt;&gt; </a:t>
+            </a:r>
+            <a:r>
+              <a:rPr lang="en-US" dirty="0" smtClean="0"/>
+              <a:t>s1={10,20,30} </a:t>
+            </a:r>
+            <a:endParaRPr lang="en-US" dirty="0" smtClean="0"/>
+          </a:p>
+          <a:p>
+            <a:r>
+              <a:rPr lang="en-US" dirty="0" smtClean="0"/>
+              <a:t>&gt;&gt;&gt; </a:t>
+            </a:r>
+            <a:r>
+              <a:rPr lang="en-US" dirty="0" smtClean="0"/>
+              <a:t>s2={20,30,40,50</a:t>
+            </a:r>
+            <a:r>
+              <a:rPr lang="en-US" dirty="0" smtClean="0"/>
+              <a:t>}</a:t>
+            </a:r>
+          </a:p>
+          <a:p>
+            <a:r>
+              <a:rPr lang="en-US" dirty="0" smtClean="0"/>
+              <a:t> </a:t>
+            </a:r>
+            <a:r>
+              <a:rPr lang="en-US" dirty="0" smtClean="0"/>
+              <a:t>&gt;&gt;&gt; s2.difference_update(s1) </a:t>
+            </a:r>
+            <a:endParaRPr lang="en-US" dirty="0" smtClean="0"/>
+          </a:p>
+          <a:p>
+            <a:r>
+              <a:rPr lang="en-US" dirty="0" smtClean="0"/>
+              <a:t>&gt;&gt;&gt; </a:t>
+            </a:r>
+            <a:r>
+              <a:rPr lang="en-US" dirty="0" smtClean="0"/>
+              <a:t>print(s2)--------------------------------{50, 40</a:t>
+            </a:r>
+            <a:r>
+              <a:rPr lang="en-US" dirty="0" smtClean="0"/>
+              <a:t>}</a:t>
+            </a:r>
+            <a:endParaRPr lang="en-US" dirty="0"/>
+          </a:p>
+        </p:txBody>
+      </p:sp>
+    </p:spTree>
+  </p:cSld>
+  <p:clrMapOvr>
+    <a:masterClrMapping/>
+  </p:clrMapOvr>
+</p:sld>
+</file>
+
+<file path=ppt/slides/slide23.xml><?xml version="1.0" encoding="utf-8"?>
+<p:sld xmlns:a="http://schemas.openxmlformats.org/drawingml/2006/main" xmlns:r="http://schemas.openxmlformats.org/officeDocument/2006/relationships" xmlns:p="http://schemas.openxmlformats.org/presentationml/2006/main">
+  <p:cSld>
+    <p:spTree>
+      <p:nvGrpSpPr>
+        <p:cNvPr id="1" name=""/>
+        <p:cNvGrpSpPr/>
+        <p:nvPr/>
+      </p:nvGrpSpPr>
+      <p:grpSpPr>
+        <a:xfrm>
+          <a:off x="0" y="0"/>
+          <a:ext cx="0" cy="0"/>
+          <a:chOff x="0" y="0"/>
+          <a:chExt cx="0" cy="0"/>
+        </a:xfrm>
+      </p:grpSpPr>
+      <p:sp>
+        <p:nvSpPr>
+          <p:cNvPr id="2" name="Title 1"/>
+          <p:cNvSpPr>
+            <a:spLocks noGrp="1"/>
+          </p:cNvSpPr>
+          <p:nvPr>
+            <p:ph type="title"/>
+          </p:nvPr>
+        </p:nvSpPr>
+        <p:spPr/>
+        <p:txBody>
+          <a:bodyPr>
+            <a:normAutofit fontScale="90000"/>
+          </a:bodyPr>
+          <a:lstStyle/>
+          <a:p>
+            <a:r>
+              <a:rPr lang="en-US" dirty="0" smtClean="0"/>
+              <a:t>15. </a:t>
             </a:r>
             <a:r>
               <a:rPr lang="en-US" dirty="0" err="1" smtClean="0"/>
@@ -6087,7 +6199,508 @@
             </a:r>
             <a:r>
               <a:rPr lang="en-US" dirty="0" smtClean="0"/>
-              <a:t>() ------------------------------------------------------------------------------------------------------------------------------------------------------------ =&gt;Syntax:setobj1.symmetric_difference_update(setobj2) =&gt;This Function Removes the Common Elements from Both SetObj1 and SetObj2 and Take the Remaining Elements from Both SetObj1 and Setobj2 and Place them in SetObj1 Itself. ----------------------- Examples ------------------------ &gt;&gt;&gt; s1={10,20,30} &gt;&gt;&gt; s2={20,30,40,50} &gt;&gt;&gt; s3=s1.symmetric_difference_update(s2) &gt;&gt;&gt; print(s3)--------------None &gt;&gt;&gt; print(s1,type(s1))---------{40, 10, 50} &lt;class 'set'&gt; ------------------------------------------------------------------------------------------------------------------------------------------------------------ 16. update() ----------------------------------------------------------------------------------------------------------------------------------------------------------- =&gt;Syntax: setobj1.update(setobj2) =&gt;This Function updates all Elements of SetObj2 with SetObj1 OR =&gt;This Function Merger all Elements of SetObj2 with SetObj1 ----------------------- Examples ----------------------- &gt;&gt;&gt; s1={10,20,30} &gt;&gt;&gt; s2={15,25} &gt;&gt;&gt; print(s1,id(s1))-----------------{10, 20, 30} 1794171953760 &gt;&gt;&gt; print(s2,id(s2))-----------------{25, 15} 1794175144160 &gt;&gt;&gt; s1.update(s2) &gt;&gt;&gt; print(s1,id(s1))------------------{20, 25, 10, 30, 15} 1794171953760 ------------------------------------- &gt;&gt;&gt; s1={10,20,30} &gt;&gt;&gt; s2={10,15} &gt;&gt;&gt; s1.update(s2) &gt;&gt;&gt; print(s1)--------------------{20, 10, 30, 15} ----------------------------------- &gt;&gt;&gt; s1={10,20,30} &gt;&gt;&gt; s2={10,20,30} &gt;&gt;&gt; s1.update(s2) &gt;&gt;&gt; print(s1)--------------------{20, 10, 30} ----------------------------------------------------------------------------------------------------------------------------------------------------------- 17. </a:t>
+              <a:t>()</a:t>
+            </a:r>
+            <a:endParaRPr lang="en-US" dirty="0"/>
+          </a:p>
+        </p:txBody>
+      </p:sp>
+      <p:sp>
+        <p:nvSpPr>
+          <p:cNvPr id="3" name="Content Placeholder 2"/>
+          <p:cNvSpPr>
+            <a:spLocks noGrp="1"/>
+          </p:cNvSpPr>
+          <p:nvPr>
+            <p:ph idx="1"/>
+          </p:nvPr>
+        </p:nvSpPr>
+        <p:spPr/>
+        <p:txBody>
+          <a:bodyPr>
+            <a:normAutofit fontScale="77500" lnSpcReduction="20000"/>
+          </a:bodyPr>
+          <a:lstStyle/>
+          <a:p>
+            <a:r>
+              <a:rPr lang="en-US" dirty="0" smtClean="0"/>
+              <a:t>15</a:t>
+            </a:r>
+            <a:r>
+              <a:rPr lang="en-US" dirty="0" smtClean="0"/>
+              <a:t>. </a:t>
+            </a:r>
+            <a:r>
+              <a:rPr lang="en-US" dirty="0" err="1" smtClean="0"/>
+              <a:t>symmetric_difference_update</a:t>
+            </a:r>
+            <a:r>
+              <a:rPr lang="en-US" dirty="0" smtClean="0"/>
+              <a:t>() </a:t>
+            </a:r>
+            <a:endParaRPr lang="en-US" dirty="0" smtClean="0"/>
+          </a:p>
+          <a:p>
+            <a:r>
+              <a:rPr lang="en-US" dirty="0" smtClean="0"/>
+              <a:t>=&gt;</a:t>
+            </a:r>
+            <a:r>
+              <a:rPr lang="en-US" dirty="0" smtClean="0"/>
+              <a:t>Syntax:setobj1.symmetric_difference_update(setobj2</a:t>
+            </a:r>
+            <a:r>
+              <a:rPr lang="en-US" dirty="0" smtClean="0"/>
+              <a:t>)</a:t>
+            </a:r>
+          </a:p>
+          <a:p>
+            <a:r>
+              <a:rPr lang="en-US" dirty="0" smtClean="0"/>
+              <a:t> </a:t>
+            </a:r>
+            <a:r>
+              <a:rPr lang="en-US" dirty="0" smtClean="0"/>
+              <a:t>=&gt;This Function Removes the Common Elements from Both SetObj1 and SetObj2 and Take the Remaining Elements from Both SetObj1 and Setobj2 and Place them in SetObj1 Itself</a:t>
+            </a:r>
+            <a:r>
+              <a:rPr lang="en-US" dirty="0" smtClean="0"/>
+              <a:t>.</a:t>
+            </a:r>
+          </a:p>
+          <a:p>
+            <a:r>
+              <a:rPr lang="en-US" dirty="0" smtClean="0"/>
+              <a:t> -----------------------</a:t>
+            </a:r>
+          </a:p>
+          <a:p>
+            <a:r>
+              <a:rPr lang="en-US" dirty="0" smtClean="0"/>
+              <a:t> </a:t>
+            </a:r>
+            <a:r>
+              <a:rPr lang="en-US" dirty="0" smtClean="0"/>
+              <a:t>Examples </a:t>
+            </a:r>
+            <a:endParaRPr lang="en-US" dirty="0" smtClean="0"/>
+          </a:p>
+          <a:p>
+            <a:r>
+              <a:rPr lang="en-US" dirty="0" smtClean="0"/>
+              <a:t>------------------------ </a:t>
+            </a:r>
+          </a:p>
+          <a:p>
+            <a:r>
+              <a:rPr lang="en-US" dirty="0" smtClean="0"/>
+              <a:t>&gt;&gt;&gt; </a:t>
+            </a:r>
+            <a:r>
+              <a:rPr lang="en-US" dirty="0" smtClean="0"/>
+              <a:t>s1={10,20,30} </a:t>
+            </a:r>
+            <a:endParaRPr lang="en-US" dirty="0" smtClean="0"/>
+          </a:p>
+          <a:p>
+            <a:r>
+              <a:rPr lang="en-US" dirty="0" smtClean="0"/>
+              <a:t>&gt;&gt;&gt; </a:t>
+            </a:r>
+            <a:r>
+              <a:rPr lang="en-US" dirty="0" smtClean="0"/>
+              <a:t>s2={20,30,40,50} </a:t>
+            </a:r>
+            <a:endParaRPr lang="en-US" dirty="0" smtClean="0"/>
+          </a:p>
+          <a:p>
+            <a:r>
+              <a:rPr lang="en-US" dirty="0" smtClean="0"/>
+              <a:t>&gt;&gt;&gt; </a:t>
+            </a:r>
+            <a:r>
+              <a:rPr lang="en-US" dirty="0" smtClean="0"/>
+              <a:t>s3=s1.symmetric_difference_update(s2) </a:t>
+            </a:r>
+            <a:endParaRPr lang="en-US" dirty="0" smtClean="0"/>
+          </a:p>
+          <a:p>
+            <a:r>
+              <a:rPr lang="en-US" dirty="0" smtClean="0"/>
+              <a:t>&gt;&gt;&gt; </a:t>
+            </a:r>
+            <a:r>
+              <a:rPr lang="en-US" dirty="0" smtClean="0"/>
+              <a:t>print(s3)--------------None </a:t>
+            </a:r>
+            <a:endParaRPr lang="en-US" dirty="0" smtClean="0"/>
+          </a:p>
+          <a:p>
+            <a:r>
+              <a:rPr lang="en-US" dirty="0" smtClean="0"/>
+              <a:t>&gt;&gt;&gt; </a:t>
+            </a:r>
+            <a:r>
+              <a:rPr lang="en-US" dirty="0" smtClean="0"/>
+              <a:t>print(s1,type(s1))---------{40, 10, 50} &lt;class 'set</a:t>
+            </a:r>
+            <a:r>
+              <a:rPr lang="en-US" dirty="0" smtClean="0"/>
+              <a:t>'&gt;</a:t>
+            </a:r>
+            <a:endParaRPr lang="en-US" dirty="0"/>
+          </a:p>
+        </p:txBody>
+      </p:sp>
+    </p:spTree>
+  </p:cSld>
+  <p:clrMapOvr>
+    <a:masterClrMapping/>
+  </p:clrMapOvr>
+</p:sld>
+</file>
+
+<file path=ppt/slides/slide24.xml><?xml version="1.0" encoding="utf-8"?>
+<p:sld xmlns:a="http://schemas.openxmlformats.org/drawingml/2006/main" xmlns:r="http://schemas.openxmlformats.org/officeDocument/2006/relationships" xmlns:p="http://schemas.openxmlformats.org/presentationml/2006/main">
+  <p:cSld>
+    <p:spTree>
+      <p:nvGrpSpPr>
+        <p:cNvPr id="1" name=""/>
+        <p:cNvGrpSpPr/>
+        <p:nvPr/>
+      </p:nvGrpSpPr>
+      <p:grpSpPr>
+        <a:xfrm>
+          <a:off x="0" y="0"/>
+          <a:ext cx="0" cy="0"/>
+          <a:chOff x="0" y="0"/>
+          <a:chExt cx="0" cy="0"/>
+        </a:xfrm>
+      </p:grpSpPr>
+      <p:sp>
+        <p:nvSpPr>
+          <p:cNvPr id="2" name="Title 1"/>
+          <p:cNvSpPr>
+            <a:spLocks noGrp="1"/>
+          </p:cNvSpPr>
+          <p:nvPr>
+            <p:ph type="title"/>
+          </p:nvPr>
+        </p:nvSpPr>
+        <p:spPr/>
+        <p:txBody>
+          <a:bodyPr/>
+          <a:lstStyle/>
+          <a:p>
+            <a:r>
+              <a:rPr lang="en-US" dirty="0" smtClean="0"/>
+              <a:t>16. update()</a:t>
+            </a:r>
+            <a:endParaRPr lang="en-US" dirty="0"/>
+          </a:p>
+        </p:txBody>
+      </p:sp>
+      <p:sp>
+        <p:nvSpPr>
+          <p:cNvPr id="3" name="Content Placeholder 2"/>
+          <p:cNvSpPr>
+            <a:spLocks noGrp="1"/>
+          </p:cNvSpPr>
+          <p:nvPr>
+            <p:ph idx="1"/>
+          </p:nvPr>
+        </p:nvSpPr>
+        <p:spPr>
+          <a:xfrm>
+            <a:off x="457200" y="1447800"/>
+            <a:ext cx="8229600" cy="5410199"/>
+          </a:xfrm>
+        </p:spPr>
+        <p:txBody>
+          <a:bodyPr>
+            <a:normAutofit fontScale="55000" lnSpcReduction="20000"/>
+          </a:bodyPr>
+          <a:lstStyle/>
+          <a:p>
+            <a:r>
+              <a:rPr lang="en-US" dirty="0" smtClean="0"/>
+              <a:t>16. update() </a:t>
+            </a:r>
+          </a:p>
+          <a:p>
+            <a:r>
+              <a:rPr lang="en-US" dirty="0" smtClean="0"/>
+              <a:t> </a:t>
+            </a:r>
+            <a:r>
+              <a:rPr lang="en-US" dirty="0" smtClean="0"/>
+              <a:t>=&gt;Syntax: setobj1.update(setobj2) </a:t>
+            </a:r>
+            <a:endParaRPr lang="en-US" dirty="0" smtClean="0"/>
+          </a:p>
+          <a:p>
+            <a:r>
+              <a:rPr lang="en-US" dirty="0" smtClean="0"/>
+              <a:t>=&gt;</a:t>
+            </a:r>
+            <a:r>
+              <a:rPr lang="en-US" dirty="0" smtClean="0"/>
+              <a:t>This Function updates all Elements of SetObj2 with SetObj1 OR </a:t>
+            </a:r>
+            <a:endParaRPr lang="en-US" dirty="0" smtClean="0"/>
+          </a:p>
+          <a:p>
+            <a:r>
+              <a:rPr lang="en-US" dirty="0" smtClean="0"/>
+              <a:t>=&gt;</a:t>
+            </a:r>
+            <a:r>
+              <a:rPr lang="en-US" dirty="0" smtClean="0"/>
+              <a:t>This Function Merger all Elements of SetObj2 with </a:t>
+            </a:r>
+            <a:r>
+              <a:rPr lang="en-US" dirty="0" smtClean="0"/>
+              <a:t>SetObj1</a:t>
+            </a:r>
+          </a:p>
+          <a:p>
+            <a:pPr>
+              <a:buNone/>
+            </a:pPr>
+            <a:endParaRPr lang="en-US" dirty="0" smtClean="0"/>
+          </a:p>
+          <a:p>
+            <a:r>
+              <a:rPr lang="en-US" dirty="0" smtClean="0"/>
+              <a:t> Examples </a:t>
+            </a:r>
+          </a:p>
+          <a:p>
+            <a:r>
+              <a:rPr lang="en-US" dirty="0" smtClean="0"/>
+              <a:t>&gt;&gt;&gt; </a:t>
+            </a:r>
+            <a:r>
+              <a:rPr lang="en-US" dirty="0" smtClean="0"/>
+              <a:t>s1={10,20,30} </a:t>
+            </a:r>
+            <a:endParaRPr lang="en-US" dirty="0" smtClean="0"/>
+          </a:p>
+          <a:p>
+            <a:r>
+              <a:rPr lang="en-US" dirty="0" smtClean="0"/>
+              <a:t>&gt;&gt;&gt; </a:t>
+            </a:r>
+            <a:r>
+              <a:rPr lang="en-US" dirty="0" smtClean="0"/>
+              <a:t>s2={15,25} </a:t>
+            </a:r>
+            <a:endParaRPr lang="en-US" dirty="0" smtClean="0"/>
+          </a:p>
+          <a:p>
+            <a:r>
+              <a:rPr lang="en-US" dirty="0" smtClean="0"/>
+              <a:t>&gt;&gt;&gt; </a:t>
+            </a:r>
+            <a:r>
+              <a:rPr lang="en-US" dirty="0" smtClean="0"/>
+              <a:t>print(s1,id(s1))-----------------{10, 20, 30} 1794171953760 </a:t>
+            </a:r>
+            <a:endParaRPr lang="en-US" dirty="0" smtClean="0"/>
+          </a:p>
+          <a:p>
+            <a:r>
+              <a:rPr lang="en-US" dirty="0" smtClean="0"/>
+              <a:t>&gt;&gt;&gt; </a:t>
+            </a:r>
+            <a:r>
+              <a:rPr lang="en-US" dirty="0" smtClean="0"/>
+              <a:t>print(s2,id(s2))-----------------{25, 15} 1794175144160 </a:t>
+            </a:r>
+            <a:endParaRPr lang="en-US" dirty="0" smtClean="0"/>
+          </a:p>
+          <a:p>
+            <a:r>
+              <a:rPr lang="en-US" dirty="0" smtClean="0"/>
+              <a:t>&gt;&gt;&gt; </a:t>
+            </a:r>
+            <a:r>
+              <a:rPr lang="en-US" dirty="0" smtClean="0"/>
+              <a:t>s1.update(s2) </a:t>
+            </a:r>
+            <a:endParaRPr lang="en-US" dirty="0" smtClean="0"/>
+          </a:p>
+          <a:p>
+            <a:r>
+              <a:rPr lang="en-US" dirty="0" smtClean="0"/>
+              <a:t>&gt;&gt;&gt; </a:t>
+            </a:r>
+            <a:r>
+              <a:rPr lang="en-US" dirty="0" smtClean="0"/>
+              <a:t>print(s1,id(s1))------------------{20, 25, 10, 30, 15} 1794171953760 ------------------------------------- </a:t>
+            </a:r>
+            <a:endParaRPr lang="en-US" dirty="0" smtClean="0"/>
+          </a:p>
+          <a:p>
+            <a:r>
+              <a:rPr lang="en-US" dirty="0" smtClean="0"/>
+              <a:t>&gt;&gt;&gt; </a:t>
+            </a:r>
+            <a:r>
+              <a:rPr lang="en-US" dirty="0" smtClean="0"/>
+              <a:t>s1={10,20,30} </a:t>
+            </a:r>
+            <a:endParaRPr lang="en-US" dirty="0" smtClean="0"/>
+          </a:p>
+          <a:p>
+            <a:r>
+              <a:rPr lang="en-US" dirty="0" smtClean="0"/>
+              <a:t>&gt;&gt;&gt; </a:t>
+            </a:r>
+            <a:r>
+              <a:rPr lang="en-US" dirty="0" smtClean="0"/>
+              <a:t>s2={10,15} </a:t>
+            </a:r>
+            <a:endParaRPr lang="en-US" dirty="0" smtClean="0"/>
+          </a:p>
+          <a:p>
+            <a:r>
+              <a:rPr lang="en-US" dirty="0" smtClean="0"/>
+              <a:t>&gt;&gt;&gt; </a:t>
+            </a:r>
+            <a:r>
+              <a:rPr lang="en-US" dirty="0" smtClean="0"/>
+              <a:t>s1.update(s2) </a:t>
+            </a:r>
+            <a:endParaRPr lang="en-US" dirty="0" smtClean="0"/>
+          </a:p>
+          <a:p>
+            <a:r>
+              <a:rPr lang="en-US" dirty="0" smtClean="0"/>
+              <a:t>&gt;&gt;&gt; </a:t>
+            </a:r>
+            <a:r>
+              <a:rPr lang="en-US" dirty="0" smtClean="0"/>
+              <a:t>print(s1)--------------------{20, 10, 30, 15</a:t>
+            </a:r>
+            <a:r>
+              <a:rPr lang="en-US" dirty="0" smtClean="0"/>
+              <a:t>}</a:t>
+            </a:r>
+          </a:p>
+          <a:p>
+            <a:r>
+              <a:rPr lang="en-US" dirty="0" smtClean="0"/>
+              <a:t> </a:t>
+            </a:r>
+            <a:r>
+              <a:rPr lang="en-US" dirty="0" smtClean="0"/>
+              <a:t>----------------------------------- </a:t>
+            </a:r>
+            <a:endParaRPr lang="en-US" dirty="0" smtClean="0"/>
+          </a:p>
+          <a:p>
+            <a:r>
+              <a:rPr lang="en-US" dirty="0" smtClean="0"/>
+              <a:t>&gt;&gt;&gt; </a:t>
+            </a:r>
+            <a:r>
+              <a:rPr lang="en-US" dirty="0" smtClean="0"/>
+              <a:t>s1={10,20,30} </a:t>
+            </a:r>
+            <a:endParaRPr lang="en-US" dirty="0" smtClean="0"/>
+          </a:p>
+          <a:p>
+            <a:r>
+              <a:rPr lang="en-US" dirty="0" smtClean="0"/>
+              <a:t>&gt;&gt;&gt; </a:t>
+            </a:r>
+            <a:r>
+              <a:rPr lang="en-US" dirty="0" smtClean="0"/>
+              <a:t>s2={10,20,30} </a:t>
+            </a:r>
+            <a:endParaRPr lang="en-US" dirty="0" smtClean="0"/>
+          </a:p>
+          <a:p>
+            <a:r>
+              <a:rPr lang="en-US" dirty="0" smtClean="0"/>
+              <a:t>&gt;&gt;&gt; </a:t>
+            </a:r>
+            <a:r>
+              <a:rPr lang="en-US" dirty="0" smtClean="0"/>
+              <a:t>s1.update(s2) </a:t>
+            </a:r>
+            <a:endParaRPr lang="en-US" dirty="0" smtClean="0"/>
+          </a:p>
+          <a:p>
+            <a:r>
+              <a:rPr lang="en-US" dirty="0" smtClean="0"/>
+              <a:t>&gt;&gt;&gt; </a:t>
+            </a:r>
+            <a:r>
+              <a:rPr lang="en-US" dirty="0" smtClean="0"/>
+              <a:t>print(s1)--------------------{20, 10, 30</a:t>
+            </a:r>
+            <a:r>
+              <a:rPr lang="en-US" dirty="0" smtClean="0"/>
+              <a:t>}</a:t>
+            </a:r>
+            <a:endParaRPr lang="en-US" b="1" dirty="0" smtClean="0"/>
+          </a:p>
+          <a:p>
+            <a:endParaRPr lang="en-US" dirty="0" smtClean="0"/>
+          </a:p>
+          <a:p>
+            <a:endParaRPr lang="en-US" dirty="0" smtClean="0"/>
+          </a:p>
+          <a:p>
+            <a:endParaRPr lang="en-US" dirty="0"/>
+          </a:p>
+        </p:txBody>
+      </p:sp>
+    </p:spTree>
+  </p:cSld>
+  <p:clrMapOvr>
+    <a:masterClrMapping/>
+  </p:clrMapOvr>
+</p:sld>
+</file>
+
+<file path=ppt/slides/slide25.xml><?xml version="1.0" encoding="utf-8"?>
+<p:sld xmlns:a="http://schemas.openxmlformats.org/drawingml/2006/main" xmlns:r="http://schemas.openxmlformats.org/officeDocument/2006/relationships" xmlns:p="http://schemas.openxmlformats.org/presentationml/2006/main">
+  <p:cSld>
+    <p:spTree>
+      <p:nvGrpSpPr>
+        <p:cNvPr id="1" name=""/>
+        <p:cNvGrpSpPr/>
+        <p:nvPr/>
+      </p:nvGrpSpPr>
+      <p:grpSpPr>
+        <a:xfrm>
+          <a:off x="0" y="0"/>
+          <a:ext cx="0" cy="0"/>
+          <a:chOff x="0" y="0"/>
+          <a:chExt cx="0" cy="0"/>
+        </a:xfrm>
+      </p:grpSpPr>
+      <p:sp>
+        <p:nvSpPr>
+          <p:cNvPr id="2" name="Title 1"/>
+          <p:cNvSpPr>
+            <a:spLocks noGrp="1"/>
+          </p:cNvSpPr>
+          <p:nvPr>
+            <p:ph type="title"/>
+          </p:nvPr>
+        </p:nvSpPr>
+        <p:spPr/>
+        <p:txBody>
+          <a:bodyPr/>
+          <a:lstStyle/>
+          <a:p>
+            <a:r>
+              <a:rPr lang="en-US" dirty="0" smtClean="0"/>
+              <a:t>17. </a:t>
             </a:r>
             <a:r>
               <a:rPr lang="en-US" dirty="0" err="1" smtClean="0"/>
@@ -6095,7 +6708,65 @@
             </a:r>
             <a:r>
               <a:rPr lang="en-US" dirty="0" smtClean="0"/>
-              <a:t>() ------------------------------------------------------------------------------------------------------------------------------------------------------------ =&gt;Syntax:setobj1.intersection_update(setobj2) =&gt;This </a:t>
+              <a:t>()</a:t>
+            </a:r>
+            <a:endParaRPr lang="en-US" dirty="0"/>
+          </a:p>
+        </p:txBody>
+      </p:sp>
+      <p:sp>
+        <p:nvSpPr>
+          <p:cNvPr id="3" name="Content Placeholder 2"/>
+          <p:cNvSpPr>
+            <a:spLocks noGrp="1"/>
+          </p:cNvSpPr>
+          <p:nvPr>
+            <p:ph idx="1"/>
+          </p:nvPr>
+        </p:nvSpPr>
+        <p:spPr/>
+        <p:txBody>
+          <a:bodyPr>
+            <a:normAutofit fontScale="92500" lnSpcReduction="10000"/>
+          </a:bodyPr>
+          <a:lstStyle/>
+          <a:p>
+            <a:r>
+              <a:rPr lang="en-US" dirty="0" smtClean="0"/>
+              <a:t>17</a:t>
+            </a:r>
+            <a:r>
+              <a:rPr lang="en-US" dirty="0" smtClean="0"/>
+              <a:t>. </a:t>
+            </a:r>
+            <a:r>
+              <a:rPr lang="en-US" dirty="0" err="1" smtClean="0"/>
+              <a:t>intersection_update</a:t>
+            </a:r>
+            <a:r>
+              <a:rPr lang="en-US" dirty="0" smtClean="0"/>
+              <a:t>() </a:t>
+            </a:r>
+          </a:p>
+          <a:p>
+            <a:r>
+              <a:rPr lang="en-US" dirty="0" smtClean="0"/>
+              <a:t>=&gt;</a:t>
+            </a:r>
+            <a:r>
+              <a:rPr lang="en-US" dirty="0" smtClean="0"/>
+              <a:t>Syntax:setobj1.intersection_update(setobj2) </a:t>
+            </a:r>
+            <a:endParaRPr lang="en-US" dirty="0" smtClean="0"/>
+          </a:p>
+          <a:p>
+            <a:r>
+              <a:rPr lang="en-US" dirty="0" smtClean="0"/>
+              <a:t>=&gt;</a:t>
+            </a:r>
+            <a:r>
+              <a:rPr lang="en-US" dirty="0" smtClean="0"/>
+              <a:t>This </a:t>
             </a:r>
             <a:r>
               <a:rPr lang="en-US" dirty="0" err="1" smtClean="0"/>
@@ -6111,13 +6782,69 @@
             </a:r>
             <a:r>
               <a:rPr lang="en-US" dirty="0" smtClean="0"/>
-              <a:t> SetObj1 Itself. </a:t>
-            </a:r>
-            <a:r>
-              <a:rPr lang="en-US" smtClean="0"/>
-              <a:t>----------------------------------- Examples ------------------------------------ &gt;&gt;&gt; s1={10,20,30} &gt;&gt;&gt; s2={20,40,50} &gt;&gt;&gt; s1.intersection_update(s2) &gt;&gt;&gt; print(s1)------------------{20} =====================================================================================</a:t>
-            </a:r>
-            <a:endParaRPr lang="en-US" b="1"/>
+              <a:t> SetObj1 </a:t>
+            </a:r>
+            <a:r>
+              <a:rPr lang="en-US" dirty="0" smtClean="0"/>
+              <a:t>Itself </a:t>
+            </a:r>
+          </a:p>
+          <a:p>
+            <a:r>
+              <a:rPr lang="en-US" dirty="0" smtClean="0"/>
+              <a:t>Examples </a:t>
+            </a:r>
+          </a:p>
+          <a:p>
+            <a:r>
+              <a:rPr lang="en-US" dirty="0" smtClean="0"/>
+              <a:t>&gt;&gt;&gt; </a:t>
+            </a:r>
+            <a:r>
+              <a:rPr lang="en-US" dirty="0" smtClean="0"/>
+              <a:t>s1={10,20,30</a:t>
+            </a:r>
+            <a:r>
+              <a:rPr lang="en-US" dirty="0" smtClean="0"/>
+              <a:t>}</a:t>
+            </a:r>
+          </a:p>
+          <a:p>
+            <a:r>
+              <a:rPr lang="en-US" dirty="0" smtClean="0"/>
+              <a:t> &gt;&gt;&gt; </a:t>
+            </a:r>
+            <a:r>
+              <a:rPr lang="en-US" dirty="0" smtClean="0"/>
+              <a:t>s2={20,40,50} </a:t>
+            </a:r>
+            <a:endParaRPr lang="en-US" dirty="0" smtClean="0"/>
+          </a:p>
+          <a:p>
+            <a:r>
+              <a:rPr lang="en-US" dirty="0" smtClean="0"/>
+              <a:t>&gt;&gt;&gt; </a:t>
+            </a:r>
+            <a:r>
+              <a:rPr lang="en-US" dirty="0" smtClean="0"/>
+              <a:t>s1.intersection_update(s2) </a:t>
+            </a:r>
+            <a:endParaRPr lang="en-US" dirty="0" smtClean="0"/>
+          </a:p>
+          <a:p>
+            <a:r>
+              <a:rPr lang="en-US" dirty="0" smtClean="0"/>
+              <a:t>&gt;&gt;&gt; </a:t>
+            </a:r>
+            <a:r>
+              <a:rPr lang="en-US" dirty="0" smtClean="0"/>
+              <a:t>print(s1)------------------{20</a:t>
+            </a:r>
+            <a:r>
+              <a:rPr lang="en-US" dirty="0" smtClean="0"/>
+              <a:t>}</a:t>
+            </a:r>
+            <a:endParaRPr lang="en-US" dirty="0"/>
           </a:p>
         </p:txBody>
       </p:sp>
@@ -6165,11 +6892,7 @@
           <a:p>
             <a:r>
               <a:rPr lang="en-US" dirty="0" smtClean="0"/>
-              <a:t>Examples </a:t>
-            </a:r>
-            <a:r>
-              <a:rPr lang="en-US" dirty="0" smtClean="0"/>
-              <a:t>:-</a:t>
+              <a:t>Examples :-</a:t>
             </a:r>
             <a:endParaRPr lang="en-US" dirty="0"/>
           </a:p>
@@ -6199,84 +6922,37 @@
           <a:p>
             <a:r>
               <a:rPr lang="en-US" dirty="0" smtClean="0"/>
-              <a:t>&gt;&gt;&gt; </a:t>
-            </a:r>
-            <a:r>
-              <a:rPr lang="en-US" dirty="0" smtClean="0"/>
-              <a:t>s1={10,"RS",34.56} </a:t>
-            </a:r>
-            <a:endParaRPr lang="en-US" dirty="0" smtClean="0"/>
-          </a:p>
-          <a:p>
-            <a:r>
-              <a:rPr lang="en-US" dirty="0" smtClean="0"/>
-              <a:t>&gt;&gt;&gt; </a:t>
-            </a:r>
-            <a:r>
-              <a:rPr lang="en-US" dirty="0" smtClean="0"/>
-              <a:t>print(s1,type(s1),id(s1))------------{'RS', 10, 34.56} &lt;class 'set'&gt; </a:t>
-            </a:r>
-            <a:r>
-              <a:rPr lang="en-US" dirty="0" smtClean="0"/>
-              <a:t> 								    1819496964704 </a:t>
-            </a:r>
-          </a:p>
-          <a:p>
-            <a:r>
-              <a:rPr lang="en-US" dirty="0" smtClean="0"/>
-              <a:t>&gt;&gt;&gt; </a:t>
-            </a:r>
-            <a:r>
-              <a:rPr lang="en-US" dirty="0" smtClean="0"/>
-              <a:t>s1.add("Python") </a:t>
-            </a:r>
-            <a:endParaRPr lang="en-US" dirty="0" smtClean="0"/>
-          </a:p>
-          <a:p>
-            <a:r>
-              <a:rPr lang="en-US" dirty="0" smtClean="0"/>
-              <a:t>&gt;&gt;&gt; </a:t>
-            </a:r>
-            <a:r>
-              <a:rPr lang="en-US" dirty="0" smtClean="0"/>
-              <a:t>print(s1,type(s1),id(s1))-----------{'Python', 'RS', 10, 34.56} &lt;class 'set'&gt; </a:t>
-            </a:r>
-            <a:r>
-              <a:rPr lang="en-US" dirty="0" smtClean="0"/>
-              <a:t>							     1819496964704 </a:t>
-            </a:r>
-          </a:p>
-          <a:p>
-            <a:r>
-              <a:rPr lang="en-US" dirty="0" smtClean="0"/>
-              <a:t>&gt;&gt;&gt; </a:t>
-            </a:r>
-            <a:r>
-              <a:rPr lang="en-US" dirty="0" smtClean="0"/>
-              <a:t>s1.add(333) </a:t>
-            </a:r>
-            <a:endParaRPr lang="en-US" dirty="0" smtClean="0"/>
-          </a:p>
-          <a:p>
-            <a:r>
-              <a:rPr lang="en-US" dirty="0" smtClean="0"/>
-              <a:t>&gt;&gt;&gt; </a:t>
-            </a:r>
-            <a:r>
-              <a:rPr lang="en-US" dirty="0" smtClean="0"/>
-              <a:t>print(s1,type(s1),id(s1</a:t>
-            </a:r>
-            <a:r>
-              <a:rPr lang="en-US" dirty="0" smtClean="0"/>
-              <a:t>))-------{</a:t>
-            </a:r>
-            <a:r>
-              <a:rPr lang="en-US" dirty="0" smtClean="0"/>
-              <a:t>34.56, 'RS', 10, 333, 'Python'} &lt;class 'set'&gt; </a:t>
-            </a:r>
-            <a:r>
-              <a:rPr lang="en-US" dirty="0" smtClean="0"/>
-              <a:t>							          1819496964704 </a:t>
+              <a:t>&gt;&gt;&gt; s1={10,"RS",34.56} </a:t>
+            </a:r>
+          </a:p>
+          <a:p>
+            <a:r>
+              <a:rPr lang="en-US" dirty="0" smtClean="0"/>
+              <a:t>&gt;&gt;&gt; print(s1,type(s1),id(s1))------------{'RS', 10, 34.56} &lt;class 'set'&gt;  								    1819496964704 </a:t>
+            </a:r>
+          </a:p>
+          <a:p>
+            <a:r>
+              <a:rPr lang="en-US" dirty="0" smtClean="0"/>
+              <a:t>&gt;&gt;&gt; s1.add("Python") </a:t>
+            </a:r>
+          </a:p>
+          <a:p>
+            <a:r>
+              <a:rPr lang="en-US" dirty="0" smtClean="0"/>
+              <a:t>&gt;&gt;&gt; print(s1,type(s1),id(s1))-----------{'Python', 'RS', 10, 34.56} &lt;class 'set'&gt; 							     1819496964704 </a:t>
+            </a:r>
+          </a:p>
+          <a:p>
+            <a:r>
+              <a:rPr lang="en-US" dirty="0" smtClean="0"/>
+              <a:t>&gt;&gt;&gt; s1.add(333) </a:t>
+            </a:r>
+          </a:p>
+          <a:p>
+            <a:r>
+              <a:rPr lang="en-US" dirty="0" smtClean="0"/>
+              <a:t>&gt;&gt;&gt; print(s1,type(s1),id(s1))-------{34.56, 'RS', 10, 333, 'Python'} &lt;class 'set'&gt; 							          1819496964704 </a:t>
             </a:r>
           </a:p>
           <a:p>
@@ -6288,67 +6964,31 @@
           <a:p>
             <a:r>
               <a:rPr lang="en-US" dirty="0" smtClean="0"/>
-              <a:t>&gt;&gt;&gt; </a:t>
-            </a:r>
-            <a:r>
-              <a:rPr lang="en-US" dirty="0" smtClean="0"/>
-              <a:t>s2=set() </a:t>
-            </a:r>
-            <a:endParaRPr lang="en-US" dirty="0" smtClean="0"/>
-          </a:p>
-          <a:p>
-            <a:r>
-              <a:rPr lang="en-US" dirty="0" smtClean="0"/>
-              <a:t>&gt;&gt;&gt; </a:t>
-            </a:r>
-            <a:r>
-              <a:rPr lang="en-US" dirty="0" smtClean="0"/>
-              <a:t>s2.add(100) </a:t>
-            </a:r>
-            <a:endParaRPr lang="en-US" dirty="0" smtClean="0"/>
-          </a:p>
-          <a:p>
-            <a:r>
-              <a:rPr lang="en-US" dirty="0" smtClean="0"/>
-              <a:t>&gt;&gt;&gt; </a:t>
-            </a:r>
-            <a:r>
-              <a:rPr lang="en-US" dirty="0" smtClean="0"/>
-              <a:t>s2.add(23.45) </a:t>
-            </a:r>
-            <a:endParaRPr lang="en-US" dirty="0" smtClean="0"/>
-          </a:p>
-          <a:p>
-            <a:r>
-              <a:rPr lang="en-US" dirty="0" smtClean="0"/>
-              <a:t>&gt;&gt;&gt; </a:t>
-            </a:r>
-            <a:r>
-              <a:rPr lang="en-US" dirty="0" smtClean="0"/>
-              <a:t>s2.add("HYD") </a:t>
-            </a:r>
-            <a:endParaRPr lang="en-US" dirty="0" smtClean="0"/>
-          </a:p>
-          <a:p>
-            <a:r>
-              <a:rPr lang="en-US" dirty="0" smtClean="0"/>
-              <a:t>&gt;&gt;&gt; </a:t>
-            </a:r>
-            <a:r>
-              <a:rPr lang="en-US" dirty="0" smtClean="0"/>
-              <a:t>print(s2,type(s2),id(s2</a:t>
-            </a:r>
-            <a:r>
-              <a:rPr lang="en-US" dirty="0" smtClean="0"/>
-              <a:t>))----------{</a:t>
-            </a:r>
-            <a:r>
-              <a:rPr lang="en-US" dirty="0" smtClean="0"/>
-              <a:t>'HYD', 100, 23.45} &lt;class 'set'&gt; </a:t>
-            </a:r>
-            <a:r>
-              <a:rPr lang="en-US" dirty="0" smtClean="0"/>
-              <a:t>  								    1819500156896 </a:t>
+              <a:t>&gt;&gt;&gt; s2=set() </a:t>
+            </a:r>
+          </a:p>
+          <a:p>
+            <a:r>
+              <a:rPr lang="en-US" dirty="0" smtClean="0"/>
+              <a:t>&gt;&gt;&gt; s2.add(100) </a:t>
+            </a:r>
+          </a:p>
+          <a:p>
+            <a:r>
+              <a:rPr lang="en-US" dirty="0" smtClean="0"/>
+              <a:t>&gt;&gt;&gt; s2.add(23.45) </a:t>
+            </a:r>
+          </a:p>
+          <a:p>
+            <a:r>
+              <a:rPr lang="en-US" dirty="0" smtClean="0"/>
+              <a:t>&gt;&gt;&gt; s2.add("HYD") </a:t>
+            </a:r>
+          </a:p>
+          <a:p>
+            <a:r>
+              <a:rPr lang="en-US" dirty="0" smtClean="0"/>
+              <a:t>&gt;&gt;&gt; print(s2,type(s2),id(s2))----------{'HYD', 100, 23.45} &lt;class 'set'&gt;   								    1819500156896 </a:t>
             </a:r>
           </a:p>
         </p:txBody>
@@ -6425,11 +7065,7 @@
           <a:p>
             <a:r>
               <a:rPr lang="en-US" dirty="0" smtClean="0"/>
-              <a:t> </a:t>
-            </a:r>
-            <a:r>
-              <a:rPr lang="en-US" dirty="0" smtClean="0"/>
-              <a:t>=&gt;Syntax: </a:t>
+              <a:t> =&gt;Syntax: </a:t>
             </a:r>
             <a:r>
               <a:rPr lang="en-US" dirty="0" err="1" smtClean="0"/>
@@ -6443,32 +7079,14 @@
           <a:p>
             <a:r>
               <a:rPr lang="en-US" dirty="0" smtClean="0"/>
-              <a:t> </a:t>
-            </a:r>
-            <a:r>
-              <a:rPr lang="en-US" dirty="0" smtClean="0"/>
-              <a:t>=&gt;This Function is used </a:t>
-            </a:r>
-            <a:r>
-              <a:rPr lang="en-US" dirty="0" smtClean="0"/>
-              <a:t>for Removing </a:t>
-            </a:r>
-            <a:r>
-              <a:rPr lang="en-US" dirty="0" smtClean="0"/>
-              <a:t>all the Values from set object </a:t>
-            </a:r>
-            <a:endParaRPr lang="en-US" dirty="0" smtClean="0"/>
-          </a:p>
-          <a:p>
-            <a:r>
-              <a:rPr lang="en-US" dirty="0" smtClean="0"/>
-              <a:t>=&gt;</a:t>
-            </a:r>
-            <a:r>
-              <a:rPr lang="en-US" dirty="0" smtClean="0"/>
-              <a:t>When this function on empty set object then we get None as Result. </a:t>
-            </a:r>
-            <a:endParaRPr lang="en-US" dirty="0" smtClean="0"/>
+              <a:t> =&gt;This Function is used for Removing all the Values from set object </a:t>
+            </a:r>
+          </a:p>
+          <a:p>
+            <a:r>
+              <a:rPr lang="en-US" dirty="0" smtClean="0"/>
+              <a:t>=&gt;When this function on empty set object then we get None as Result. </a:t>
+            </a:r>
           </a:p>
           <a:p>
             <a:r>
@@ -6491,32 +7109,14 @@
           <a:p>
             <a:r>
               <a:rPr lang="en-US" dirty="0" smtClean="0"/>
-              <a:t>&gt;&gt;&gt; </a:t>
-            </a:r>
-            <a:r>
-              <a:rPr lang="en-US" dirty="0" smtClean="0"/>
-              <a:t>s1={10,"RS",34.56} </a:t>
-            </a:r>
-            <a:endParaRPr lang="en-US" dirty="0" smtClean="0"/>
-          </a:p>
-          <a:p>
-            <a:r>
-              <a:rPr lang="en-US" dirty="0" smtClean="0"/>
-              <a:t>&gt;&gt;&gt; </a:t>
-            </a:r>
-            <a:r>
-              <a:rPr lang="en-US" dirty="0" smtClean="0"/>
-              <a:t>print(s1,type(s1),id(s1))-------------{'RS', 10, 34.56} </a:t>
-            </a:r>
-            <a:r>
-              <a:rPr lang="en-US" dirty="0" smtClean="0"/>
-              <a:t>				&lt;</a:t>
-            </a:r>
-            <a:r>
-              <a:rPr lang="en-US" dirty="0" smtClean="0"/>
-              <a:t>class 'set'&gt; 1819500153760 </a:t>
-            </a:r>
-            <a:endParaRPr lang="en-US" dirty="0" smtClean="0"/>
+              <a:t>&gt;&gt;&gt; s1={10,"RS",34.56} </a:t>
+            </a:r>
+          </a:p>
+          <a:p>
+            <a:r>
+              <a:rPr lang="en-US" dirty="0" smtClean="0"/>
+              <a:t>&gt;&gt;&gt; print(s1,type(s1),id(s1))-------------{'RS', 10, 34.56} 				&lt;class 'set'&gt; 1819500153760 </a:t>
+            </a:r>
           </a:p>
           <a:p>
             <a:r>
@@ -6529,64 +7129,31 @@
             </a:r>
             <a:r>
               <a:rPr lang="en-US" dirty="0" smtClean="0"/>
-              <a:t>(s1)------------------------------------</a:t>
-            </a:r>
-            <a:r>
-              <a:rPr lang="en-US" dirty="0" smtClean="0"/>
-              <a:t>3</a:t>
-            </a:r>
-          </a:p>
-          <a:p>
-            <a:r>
-              <a:rPr lang="en-US" dirty="0" smtClean="0"/>
-              <a:t> </a:t>
-            </a:r>
-            <a:r>
-              <a:rPr lang="en-US" dirty="0" smtClean="0"/>
-              <a:t>&gt;&gt;&gt; s1.clear() </a:t>
-            </a:r>
-            <a:endParaRPr lang="en-US" dirty="0" smtClean="0"/>
-          </a:p>
-          <a:p>
-            <a:r>
-              <a:rPr lang="en-US" dirty="0" smtClean="0"/>
-              <a:t>&gt;&gt;&gt; </a:t>
-            </a:r>
-            <a:r>
-              <a:rPr lang="en-US" dirty="0" smtClean="0"/>
-              <a:t>print(s1,type(s1),id(s1))--------------set() &lt;class 'set'&gt; </a:t>
-            </a:r>
-            <a:r>
-              <a:rPr lang="en-US" dirty="0" smtClean="0"/>
-              <a:t>						1819500153760 </a:t>
-            </a:r>
-          </a:p>
-          <a:p>
-            <a:r>
-              <a:rPr lang="en-US" dirty="0" smtClean="0"/>
-              <a:t>&gt;&gt;&gt; </a:t>
-            </a:r>
-            <a:r>
-              <a:rPr lang="en-US" dirty="0" smtClean="0"/>
-              <a:t>print(s1.clear())------------------------</a:t>
-            </a:r>
-            <a:r>
-              <a:rPr lang="en-US" dirty="0" smtClean="0"/>
-              <a:t>None</a:t>
-            </a:r>
-          </a:p>
-          <a:p>
-            <a:r>
-              <a:rPr lang="en-US" dirty="0" smtClean="0"/>
-              <a:t>&gt;&gt;&gt; </a:t>
-            </a:r>
-            <a:r>
-              <a:rPr lang="en-US" dirty="0" smtClean="0"/>
-              <a:t>print(set().clear())--------------------</a:t>
-            </a:r>
-            <a:r>
-              <a:rPr lang="en-US" dirty="0" smtClean="0"/>
-              <a:t>None</a:t>
+              <a:t>(s1)------------------------------------3</a:t>
+            </a:r>
+          </a:p>
+          <a:p>
+            <a:r>
+              <a:rPr lang="en-US" dirty="0" smtClean="0"/>
+              <a:t> &gt;&gt;&gt; s1.clear() </a:t>
+            </a:r>
+          </a:p>
+          <a:p>
+            <a:r>
+              <a:rPr lang="en-US" dirty="0" smtClean="0"/>
+              <a:t>&gt;&gt;&gt; print(s1,type(s1),id(s1))--------------set() &lt;class 'set'&gt; 						1819500153760 </a:t>
+            </a:r>
+          </a:p>
+          <a:p>
+            <a:r>
+              <a:rPr lang="en-US" dirty="0" smtClean="0"/>
+              <a:t>&gt;&gt;&gt; print(s1.clear())------------------------None</a:t>
+            </a:r>
+          </a:p>
+          <a:p>
+            <a:r>
+              <a:rPr lang="en-US" dirty="0" smtClean="0"/>
+              <a:t>&gt;&gt;&gt; print(set().clear())--------------------None</a:t>
             </a:r>
             <a:endParaRPr lang="en-US" dirty="0"/>
           </a:p>
@@ -6664,11 +7231,7 @@
           <a:p>
             <a:r>
               <a:rPr lang="en-US" dirty="0" smtClean="0"/>
-              <a:t> </a:t>
-            </a:r>
-            <a:r>
-              <a:rPr lang="en-US" dirty="0" smtClean="0"/>
-              <a:t>=&gt;Syntax: </a:t>
+              <a:t> =&gt;Syntax: </a:t>
             </a:r>
             <a:r>
               <a:rPr lang="en-US" dirty="0" err="1" smtClean="0"/>
@@ -6678,30 +7241,17 @@
               <a:rPr lang="en-US" dirty="0" smtClean="0"/>
               <a:t>(Value) </a:t>
             </a:r>
-            <a:endParaRPr lang="en-US" dirty="0" smtClean="0"/>
-          </a:p>
-          <a:p>
-            <a:r>
-              <a:rPr lang="en-US" dirty="0" smtClean="0"/>
-              <a:t>=&gt;</a:t>
-            </a:r>
-            <a:r>
-              <a:rPr lang="en-US" dirty="0" smtClean="0"/>
-              <a:t>This Function is used for Removing the Specified Value from set object</a:t>
-            </a:r>
-            <a:r>
-              <a:rPr lang="en-US" dirty="0" smtClean="0"/>
-              <a:t>.</a:t>
-            </a:r>
-          </a:p>
-          <a:p>
-            <a:r>
-              <a:rPr lang="en-US" dirty="0" smtClean="0"/>
-              <a:t> </a:t>
-            </a:r>
-            <a:r>
-              <a:rPr lang="en-US" dirty="0" smtClean="0"/>
-              <a:t>=&gt;If the Specified Value does not exist then we get </a:t>
+          </a:p>
+          <a:p>
+            <a:r>
+              <a:rPr lang="en-US" dirty="0" smtClean="0"/>
+              <a:t>=&gt;This Function is used for Removing the Specified Value from set object.</a:t>
+            </a:r>
+          </a:p>
+          <a:p>
+            <a:r>
+              <a:rPr lang="en-US" dirty="0" smtClean="0"/>
+              <a:t> =&gt;If the Specified Value does not exist then we get </a:t>
             </a:r>
             <a:r>
               <a:rPr lang="en-US" dirty="0" err="1" smtClean="0"/>
@@ -6733,96 +7283,43 @@
           <a:p>
             <a:r>
               <a:rPr lang="en-US" dirty="0" smtClean="0"/>
-              <a:t>&gt;&gt;&gt; </a:t>
-            </a:r>
-            <a:r>
-              <a:rPr lang="en-US" dirty="0" smtClean="0"/>
-              <a:t>s1={10,20,30,40,50,10,20} </a:t>
-            </a:r>
-            <a:endParaRPr lang="en-US" dirty="0" smtClean="0"/>
-          </a:p>
-          <a:p>
-            <a:r>
-              <a:rPr lang="en-US" dirty="0" smtClean="0"/>
-              <a:t>&gt;&gt;&gt; </a:t>
-            </a:r>
-            <a:r>
-              <a:rPr lang="en-US" dirty="0" smtClean="0"/>
-              <a:t>print(s1,id(s1</a:t>
-            </a:r>
-            <a:r>
-              <a:rPr lang="en-US" dirty="0" smtClean="0"/>
-              <a:t>))----------------{</a:t>
-            </a:r>
-            <a:r>
-              <a:rPr lang="en-US" dirty="0" smtClean="0"/>
-              <a:t>50, 20, 40, 10, 30} 1819496963584 </a:t>
-            </a:r>
-            <a:endParaRPr lang="en-US" dirty="0" smtClean="0"/>
-          </a:p>
-          <a:p>
-            <a:r>
-              <a:rPr lang="en-US" dirty="0" smtClean="0"/>
-              <a:t>&gt;&gt;&gt; </a:t>
-            </a:r>
-            <a:r>
-              <a:rPr lang="en-US" dirty="0" smtClean="0"/>
-              <a:t>s1.remove(20) </a:t>
-            </a:r>
-            <a:endParaRPr lang="en-US" dirty="0" smtClean="0"/>
-          </a:p>
-          <a:p>
-            <a:r>
-              <a:rPr lang="en-US" dirty="0" smtClean="0"/>
-              <a:t>&gt;&gt;&gt; </a:t>
-            </a:r>
-            <a:r>
-              <a:rPr lang="en-US" dirty="0" smtClean="0"/>
-              <a:t>print(s1,id(s1</a:t>
-            </a:r>
-            <a:r>
-              <a:rPr lang="en-US" dirty="0" smtClean="0"/>
-              <a:t>))---------------{</a:t>
-            </a:r>
-            <a:r>
-              <a:rPr lang="en-US" dirty="0" smtClean="0"/>
-              <a:t>50, 40, 10, 30} </a:t>
-            </a:r>
-            <a:r>
-              <a:rPr lang="en-US" dirty="0" smtClean="0"/>
-              <a:t>1819496963584</a:t>
-            </a:r>
-          </a:p>
-          <a:p>
-            <a:r>
-              <a:rPr lang="en-US" dirty="0" smtClean="0"/>
-              <a:t> </a:t>
-            </a:r>
-            <a:r>
-              <a:rPr lang="en-US" dirty="0" smtClean="0"/>
-              <a:t>&gt;&gt;&gt; s1.remove(50) </a:t>
-            </a:r>
-            <a:endParaRPr lang="en-US" dirty="0" smtClean="0"/>
-          </a:p>
-          <a:p>
-            <a:r>
-              <a:rPr lang="en-US" dirty="0" smtClean="0"/>
-              <a:t>&gt;&gt;&gt; </a:t>
-            </a:r>
-            <a:r>
-              <a:rPr lang="en-US" dirty="0" smtClean="0"/>
-              <a:t>print(s1,id(s1))----------------------{40, 10, 30} 1819496963584 </a:t>
-            </a:r>
-            <a:endParaRPr lang="en-US" dirty="0" smtClean="0"/>
-          </a:p>
-          <a:p>
-            <a:r>
-              <a:rPr lang="en-US" dirty="0" smtClean="0"/>
-              <a:t>&gt;&gt;&gt; </a:t>
-            </a:r>
-            <a:r>
-              <a:rPr lang="en-US" dirty="0" smtClean="0"/>
-              <a:t>s1.remove(500)----------------------</a:t>
+              <a:t>&gt;&gt;&gt; s1={10,20,30,40,50,10,20} </a:t>
+            </a:r>
+          </a:p>
+          <a:p>
+            <a:r>
+              <a:rPr lang="en-US" dirty="0" smtClean="0"/>
+              <a:t>&gt;&gt;&gt; print(s1,id(s1))----------------{50, 20, 40, 10, 30} 1819496963584 </a:t>
+            </a:r>
+          </a:p>
+          <a:p>
+            <a:r>
+              <a:rPr lang="en-US" dirty="0" smtClean="0"/>
+              <a:t>&gt;&gt;&gt; s1.remove(20) </a:t>
+            </a:r>
+          </a:p>
+          <a:p>
+            <a:r>
+              <a:rPr lang="en-US" dirty="0" smtClean="0"/>
+              <a:t>&gt;&gt;&gt; print(s1,id(s1))---------------{50, 40, 10, 30} 1819496963584</a:t>
+            </a:r>
+          </a:p>
+          <a:p>
+            <a:r>
+              <a:rPr lang="en-US" dirty="0" smtClean="0"/>
+              <a:t> &gt;&gt;&gt; s1.remove(50) </a:t>
+            </a:r>
+          </a:p>
+          <a:p>
+            <a:r>
+              <a:rPr lang="en-US" dirty="0" smtClean="0"/>
+              <a:t>&gt;&gt;&gt; print(s1,id(s1))----------------------{40, 10, 30} 1819496963584 </a:t>
+            </a:r>
+          </a:p>
+          <a:p>
+            <a:r>
+              <a:rPr lang="en-US" dirty="0" smtClean="0"/>
+              <a:t>&gt;&gt;&gt; s1.remove(500)----------------------</a:t>
             </a:r>
             <a:r>
               <a:rPr lang="en-US" dirty="0" err="1" smtClean="0"/>
@@ -6832,16 +7329,11 @@
               <a:rPr lang="en-US" dirty="0" smtClean="0"/>
               <a:t>: 500 </a:t>
             </a:r>
-            <a:endParaRPr lang="en-US" dirty="0" smtClean="0"/>
-          </a:p>
-          <a:p>
-            <a:r>
-              <a:rPr lang="en-US" dirty="0" smtClean="0"/>
-              <a:t>&gt;&gt;&gt; </a:t>
-            </a:r>
-            <a:r>
-              <a:rPr lang="en-US" dirty="0" smtClean="0"/>
-              <a:t>set().remove(123)-------------------</a:t>
+          </a:p>
+          <a:p>
+            <a:r>
+              <a:rPr lang="en-US" dirty="0" smtClean="0"/>
+              <a:t>&gt;&gt;&gt; set().remove(123)-------------------</a:t>
             </a:r>
             <a:r>
               <a:rPr lang="en-US" dirty="0" err="1" smtClean="0"/>
@@ -6849,21 +7341,13 @@
             </a:r>
             <a:r>
               <a:rPr lang="en-US" dirty="0" smtClean="0"/>
-              <a:t>: </a:t>
-            </a:r>
-            <a:r>
-              <a:rPr lang="en-US" dirty="0" smtClean="0"/>
-              <a:t>123</a:t>
-            </a:r>
-          </a:p>
-          <a:p>
-            <a:r>
-              <a:rPr lang="en-US" dirty="0" smtClean="0"/>
-              <a:t> </a:t>
-            </a:r>
-            <a:r>
-              <a:rPr lang="en-US" dirty="0" smtClean="0"/>
-              <a:t>-------------------------</a:t>
+              <a:t>: 123</a:t>
+            </a:r>
+          </a:p>
+          <a:p>
+            <a:r>
+              <a:rPr lang="en-US" dirty="0" smtClean="0"/>
+              <a:t> -------------------------</a:t>
             </a:r>
             <a:endParaRPr lang="en-US" dirty="0"/>
           </a:p>
@@ -6946,11 +7430,7 @@
           <a:p>
             <a:r>
               <a:rPr lang="en-US" dirty="0" smtClean="0"/>
-              <a:t>=&gt;</a:t>
-            </a:r>
-            <a:r>
-              <a:rPr lang="en-US" dirty="0" smtClean="0"/>
-              <a:t>Syntax: </a:t>
+              <a:t>=&gt;Syntax: </a:t>
             </a:r>
             <a:r>
               <a:rPr lang="en-US" dirty="0" err="1" smtClean="0"/>
@@ -6958,40 +7438,19 @@
             </a:r>
             <a:r>
               <a:rPr lang="en-US" dirty="0" smtClean="0"/>
-              <a:t>(Value</a:t>
-            </a:r>
-            <a:r>
-              <a:rPr lang="en-US" dirty="0" smtClean="0"/>
-              <a:t>)</a:t>
-            </a:r>
-          </a:p>
-          <a:p>
-            <a:r>
-              <a:rPr lang="en-US" dirty="0" smtClean="0"/>
-              <a:t> </a:t>
-            </a:r>
-            <a:r>
-              <a:rPr lang="en-US" dirty="0" smtClean="0"/>
-              <a:t>=&gt;This Function is used for Removing the Specified Value from set object. </a:t>
-            </a:r>
-            <a:endParaRPr lang="en-US" dirty="0" smtClean="0"/>
-          </a:p>
-          <a:p>
-            <a:r>
-              <a:rPr lang="en-US" dirty="0" smtClean="0"/>
-              <a:t>=&gt;</a:t>
-            </a:r>
-            <a:r>
-              <a:rPr lang="en-US" dirty="0" smtClean="0"/>
-              <a:t>If the </a:t>
-            </a:r>
-            <a:r>
-              <a:rPr lang="en-US" dirty="0" smtClean="0"/>
-              <a:t>Specified </a:t>
-            </a:r>
-            <a:r>
-              <a:rPr lang="en-US" dirty="0" smtClean="0"/>
-              <a:t>Value does not exist then we get Space OR None as Result (No </a:t>
+              <a:t>(Value)</a:t>
+            </a:r>
+          </a:p>
+          <a:p>
+            <a:r>
+              <a:rPr lang="en-US" dirty="0" smtClean="0"/>
+              <a:t> =&gt;This Function is used for Removing the Specified Value from set object. </a:t>
+            </a:r>
+          </a:p>
+          <a:p>
+            <a:r>
+              <a:rPr lang="en-US" dirty="0" smtClean="0"/>
+              <a:t>=&gt;If the Specified Value does not exist then we get Space OR None as Result (No </a:t>
             </a:r>
             <a:r>
               <a:rPr lang="en-US" dirty="0" err="1" smtClean="0"/>
@@ -7001,7 +7460,6 @@
               <a:rPr lang="en-US" dirty="0" smtClean="0"/>
               <a:t>) </a:t>
             </a:r>
-            <a:endParaRPr lang="en-US" dirty="0" smtClean="0"/>
           </a:p>
           <a:p>
             <a:r>
@@ -7018,99 +7476,49 @@
           <a:p>
             <a:r>
               <a:rPr lang="en-US" dirty="0" smtClean="0"/>
-              <a:t> </a:t>
-            </a:r>
-            <a:r>
-              <a:rPr lang="en-US" dirty="0" smtClean="0"/>
-              <a:t>-------------------------- </a:t>
-            </a:r>
-            <a:endParaRPr lang="en-US" dirty="0" smtClean="0"/>
-          </a:p>
-          <a:p>
-            <a:r>
-              <a:rPr lang="en-US" dirty="0" smtClean="0"/>
-              <a:t>&gt;&gt;&gt; </a:t>
-            </a:r>
-            <a:r>
-              <a:rPr lang="en-US" dirty="0" smtClean="0"/>
-              <a:t>s1={10,20,30,40,50,10,20} </a:t>
-            </a:r>
-            <a:endParaRPr lang="en-US" dirty="0" smtClean="0"/>
-          </a:p>
-          <a:p>
-            <a:r>
-              <a:rPr lang="en-US" dirty="0" smtClean="0"/>
-              <a:t>&gt;&gt;&gt; </a:t>
-            </a:r>
-            <a:r>
-              <a:rPr lang="en-US" dirty="0" smtClean="0"/>
-              <a:t>print(s1,id(s1))--------------------------{50, 20, 40, 10, 30} 1819496964704 </a:t>
-            </a:r>
-            <a:endParaRPr lang="en-US" dirty="0" smtClean="0"/>
-          </a:p>
-          <a:p>
-            <a:r>
-              <a:rPr lang="en-US" dirty="0" smtClean="0"/>
-              <a:t>&gt;&gt;&gt; </a:t>
-            </a:r>
-            <a:r>
-              <a:rPr lang="en-US" dirty="0" smtClean="0"/>
-              <a:t>s1.discard(30) </a:t>
-            </a:r>
-            <a:endParaRPr lang="en-US" dirty="0" smtClean="0"/>
-          </a:p>
-          <a:p>
-            <a:r>
-              <a:rPr lang="en-US" dirty="0" smtClean="0"/>
-              <a:t>&gt;&gt;&gt; </a:t>
-            </a:r>
-            <a:r>
-              <a:rPr lang="en-US" dirty="0" smtClean="0"/>
-              <a:t>print(s1,id(s1</a:t>
-            </a:r>
-            <a:r>
-              <a:rPr lang="en-US" dirty="0" smtClean="0"/>
-              <a:t>))------{</a:t>
-            </a:r>
-            <a:r>
-              <a:rPr lang="en-US" dirty="0" smtClean="0"/>
-              <a:t>50, 20, 40, 10} 1819496964704 &gt;&gt;&gt; s1.discard(20) </a:t>
-            </a:r>
-            <a:endParaRPr lang="en-US" dirty="0" smtClean="0"/>
-          </a:p>
-          <a:p>
-            <a:r>
-              <a:rPr lang="en-US" dirty="0" smtClean="0"/>
-              <a:t>&gt;&gt;&gt; </a:t>
-            </a:r>
-            <a:r>
-              <a:rPr lang="en-US" dirty="0" smtClean="0"/>
-              <a:t>print(s1,id(s1))-------------------------{50, 40, 10} </a:t>
-            </a:r>
-            <a:r>
-              <a:rPr lang="en-US" dirty="0" smtClean="0"/>
-              <a:t>1819496964704</a:t>
-            </a:r>
-          </a:p>
-          <a:p>
-            <a:r>
-              <a:rPr lang="en-US" dirty="0" smtClean="0"/>
-              <a:t>&gt;&gt;&gt; </a:t>
-            </a:r>
-            <a:r>
-              <a:rPr lang="en-US" dirty="0" smtClean="0"/>
-              <a:t>s1.discard(200)------------------------- Space as Result </a:t>
-            </a:r>
-            <a:endParaRPr lang="en-US" dirty="0" smtClean="0"/>
-          </a:p>
-          <a:p>
-            <a:r>
-              <a:rPr lang="en-US" dirty="0" smtClean="0"/>
-              <a:t>&gt;&gt;&gt; </a:t>
-            </a:r>
-            <a:r>
-              <a:rPr lang="en-US" dirty="0" smtClean="0"/>
-              <a:t>s1.remove(200)------------------------</a:t>
+              <a:t> -------------------------- </a:t>
+            </a:r>
+          </a:p>
+          <a:p>
+            <a:r>
+              <a:rPr lang="en-US" dirty="0" smtClean="0"/>
+              <a:t>&gt;&gt;&gt; s1={10,20,30,40,50,10,20} </a:t>
+            </a:r>
+          </a:p>
+          <a:p>
+            <a:r>
+              <a:rPr lang="en-US" dirty="0" smtClean="0"/>
+              <a:t>&gt;&gt;&gt; print(s1,id(s1))--------------------------{50, 20, 40, 10, 30} 1819496964704 </a:t>
+            </a:r>
+          </a:p>
+          <a:p>
+            <a:r>
+              <a:rPr lang="en-US" dirty="0" smtClean="0"/>
+              <a:t>&gt;&gt;&gt; s1.discard(30) </a:t>
+            </a:r>
+          </a:p>
+          <a:p>
+            <a:r>
+              <a:rPr lang="en-US" dirty="0" smtClean="0"/>
+              <a:t>&gt;&gt;&gt; print(s1,id(s1))------{50, 20, 40, 10} 1819496964704 &gt;&gt;&gt; s1.discard(20) </a:t>
+            </a:r>
+          </a:p>
+          <a:p>
+            <a:r>
+              <a:rPr lang="en-US" dirty="0" smtClean="0"/>
+              <a:t>&gt;&gt;&gt; print(s1,id(s1))-------------------------{50, 40, 10} 1819496964704</a:t>
+            </a:r>
+          </a:p>
+          <a:p>
+            <a:r>
+              <a:rPr lang="en-US" dirty="0" smtClean="0"/>
+              <a:t>&gt;&gt;&gt; s1.discard(200)------------------------- Space as Result </a:t>
+            </a:r>
+          </a:p>
+          <a:p>
+            <a:r>
+              <a:rPr lang="en-US" dirty="0" smtClean="0"/>
+              <a:t>&gt;&gt;&gt; s1.remove(200)------------------------</a:t>
             </a:r>
             <a:r>
               <a:rPr lang="en-US" dirty="0" err="1" smtClean="0"/>
@@ -7120,38 +7528,17 @@
               <a:rPr lang="en-US" dirty="0" smtClean="0"/>
               <a:t>: 200 </a:t>
             </a:r>
-            <a:endParaRPr lang="en-US" dirty="0" smtClean="0"/>
-          </a:p>
-          <a:p>
-            <a:r>
-              <a:rPr lang="en-US" dirty="0" smtClean="0"/>
-              <a:t>&gt;&gt;&gt; </a:t>
-            </a:r>
-            <a:r>
-              <a:rPr lang="en-US" dirty="0" smtClean="0"/>
-              <a:t>x=s1.discard(200</a:t>
-            </a:r>
-            <a:r>
-              <a:rPr lang="en-US" dirty="0" smtClean="0"/>
-              <a:t>)</a:t>
-            </a:r>
-          </a:p>
-          <a:p>
-            <a:r>
-              <a:rPr lang="en-US" dirty="0" smtClean="0"/>
-              <a:t>&gt;&gt;&gt; </a:t>
-            </a:r>
-            <a:r>
-              <a:rPr lang="en-US" dirty="0" smtClean="0"/>
-              <a:t>print(x</a:t>
-            </a:r>
-            <a:r>
-              <a:rPr lang="en-US" dirty="0" smtClean="0"/>
-              <a:t>)----------None </a:t>
-            </a:r>
-            <a:r>
-              <a:rPr lang="en-US" dirty="0" smtClean="0"/>
-              <a:t>(Indicates that Element does not Exist in set) </a:t>
+          </a:p>
+          <a:p>
+            <a:r>
+              <a:rPr lang="en-US" dirty="0" smtClean="0"/>
+              <a:t>&gt;&gt;&gt; x=s1.discard(200)</a:t>
+            </a:r>
+          </a:p>
+          <a:p>
+            <a:r>
+              <a:rPr lang="en-US" dirty="0" smtClean="0"/>
+              <a:t>&gt;&gt;&gt; print(x)----------None (Indicates that Element does not Exist in set) </a:t>
             </a:r>
             <a:endParaRPr lang="en-US" dirty="0"/>
           </a:p>
@@ -7224,25 +7611,13 @@
           <a:p>
             <a:r>
               <a:rPr lang="en-US" dirty="0" smtClean="0"/>
-              <a:t> </a:t>
-            </a:r>
-            <a:r>
-              <a:rPr lang="en-US" dirty="0" smtClean="0"/>
-              <a:t>=&gt;Syntax: setobj.pop</a:t>
-            </a:r>
-            <a:r>
-              <a:rPr lang="en-US" dirty="0" smtClean="0"/>
-              <a:t>()</a:t>
-            </a:r>
-          </a:p>
-          <a:p>
-            <a:r>
-              <a:rPr lang="en-US" dirty="0" smtClean="0"/>
-              <a:t> </a:t>
-            </a:r>
-            <a:r>
-              <a:rPr lang="en-US" dirty="0" smtClean="0"/>
-              <a:t>=&gt;This is used removing </a:t>
+              <a:t> =&gt;Syntax: setobj.pop()</a:t>
+            </a:r>
+          </a:p>
+          <a:p>
+            <a:r>
+              <a:rPr lang="en-US" dirty="0" smtClean="0"/>
+              <a:t> =&gt;This is used removing </a:t>
             </a:r>
             <a:r>
               <a:rPr lang="en-US" dirty="0" err="1" smtClean="0"/>
@@ -7250,21 +7625,13 @@
             </a:r>
             <a:r>
               <a:rPr lang="en-US" dirty="0" smtClean="0"/>
-              <a:t> Element from set </a:t>
-            </a:r>
-            <a:r>
-              <a:rPr lang="en-US" dirty="0" smtClean="0"/>
-              <a:t>object</a:t>
-            </a:r>
-          </a:p>
-          <a:p>
-            <a:r>
-              <a:rPr lang="en-US" dirty="0" smtClean="0"/>
-              <a:t> </a:t>
-            </a:r>
-            <a:r>
-              <a:rPr lang="en-US" dirty="0" smtClean="0"/>
-              <a:t>=&gt;If the Order of Elements of set object is not given then pop() removes Any </a:t>
+              <a:t> Element from set object</a:t>
+            </a:r>
+          </a:p>
+          <a:p>
+            <a:r>
+              <a:rPr lang="en-US" dirty="0" smtClean="0"/>
+              <a:t> =&gt;If the Order of Elements of set object is not given then pop() removes Any </a:t>
             </a:r>
             <a:r>
               <a:rPr lang="en-US" dirty="0" err="1" smtClean="0"/>
@@ -7274,27 +7641,17 @@
               <a:rPr lang="en-US" dirty="0" smtClean="0"/>
               <a:t> Element. </a:t>
             </a:r>
-            <a:endParaRPr lang="en-US" dirty="0" smtClean="0"/>
-          </a:p>
-          <a:p>
-            <a:r>
-              <a:rPr lang="en-US" dirty="0" smtClean="0"/>
-              <a:t>=&gt;</a:t>
-            </a:r>
-            <a:r>
-              <a:rPr lang="en-US" dirty="0" smtClean="0"/>
-              <a:t>If the Order of Elements of set Object is given then pop() removes First Element. </a:t>
-            </a:r>
-            <a:endParaRPr lang="en-US" dirty="0" smtClean="0"/>
-          </a:p>
-          <a:p>
-            <a:r>
-              <a:rPr lang="en-US" dirty="0" smtClean="0"/>
-              <a:t>=&gt;</a:t>
-            </a:r>
-            <a:r>
-              <a:rPr lang="en-US" dirty="0" smtClean="0"/>
-              <a:t>If we call pop() on empty set object then we get </a:t>
+          </a:p>
+          <a:p>
+            <a:r>
+              <a:rPr lang="en-US" dirty="0" smtClean="0"/>
+              <a:t>=&gt;If the Order of Elements of set Object is given then pop() removes First Element. </a:t>
+            </a:r>
+          </a:p>
+          <a:p>
+            <a:r>
+              <a:rPr lang="en-US" dirty="0" smtClean="0"/>
+              <a:t>=&gt;If we call pop() on empty set object then we get </a:t>
             </a:r>
             <a:r>
               <a:rPr lang="en-US" dirty="0" err="1" smtClean="0"/>
@@ -7304,7 +7661,6 @@
               <a:rPr lang="en-US" dirty="0" smtClean="0"/>
               <a:t> </a:t>
             </a:r>
-            <a:endParaRPr lang="en-US" dirty="0" smtClean="0"/>
           </a:p>
         </p:txBody>
       </p:sp>
@@ -7443,7 +7799,6 @@
               <a:rPr lang="en-US" dirty="0" smtClean="0"/>
               <a:t>&gt;&gt;&gt; s1.pop()-----------'HT' </a:t>
             </a:r>
-            <a:endParaRPr lang="en-US" dirty="0" smtClean="0"/>
           </a:p>
           <a:p>
             <a:pPr>
@@ -7543,31 +7898,18 @@
               <a:rPr lang="en-US" dirty="0" smtClean="0"/>
               <a:t> &gt;&gt;&gt; s2={10,"HYD",23.45,2+3j,56.78,True,False} </a:t>
             </a:r>
-            <a:endParaRPr lang="en-US" dirty="0" smtClean="0"/>
           </a:p>
           <a:p>
             <a:pPr lvl="1"/>
             <a:r>
               <a:rPr lang="en-US" dirty="0" smtClean="0"/>
-              <a:t># </a:t>
-            </a:r>
-            <a:r>
-              <a:rPr lang="en-US" dirty="0" smtClean="0"/>
-              <a:t>Order of Display Given </a:t>
-            </a:r>
-          </a:p>
-          <a:p>
-            <a:r>
-              <a:rPr lang="en-US" dirty="0" smtClean="0"/>
-              <a:t>&gt;&gt;&gt; print(s2</a:t>
-            </a:r>
-            <a:r>
-              <a:rPr lang="en-US" dirty="0" smtClean="0"/>
-              <a:t>)-----{</a:t>
-            </a:r>
-            <a:r>
-              <a:rPr lang="en-US" dirty="0" smtClean="0"/>
-              <a:t>False, True, 'HYD', 23.45, 56.78, 10, (2+3j)} </a:t>
+              <a:t># Order of Display Given </a:t>
+            </a:r>
+          </a:p>
+          <a:p>
+            <a:r>
+              <a:rPr lang="en-US" dirty="0" smtClean="0"/>
+              <a:t>&gt;&gt;&gt; print(s2)-----{False, True, 'HYD', 23.45, 56.78, 10, (2+3j)} </a:t>
             </a:r>
           </a:p>
           <a:p>
@@ -7615,11 +7957,7 @@
           <a:p>
             <a:r>
               <a:rPr lang="en-US" dirty="0" smtClean="0"/>
-              <a:t>&gt;&gt;&gt; s2.pop</a:t>
-            </a:r>
-            <a:r>
-              <a:rPr lang="en-US" dirty="0" smtClean="0"/>
-              <a:t>()---------------</a:t>
+              <a:t>&gt;&gt;&gt; s2.pop()---------------</a:t>
             </a:r>
             <a:r>
               <a:rPr lang="en-US" dirty="0" err="1" smtClean="0"/>
@@ -7627,13 +7965,8 @@
             </a:r>
             <a:r>
               <a:rPr lang="en-US" dirty="0" smtClean="0"/>
-              <a:t>: 'pop from an empty </a:t>
-            </a:r>
-            <a:r>
-              <a:rPr lang="en-US" dirty="0" smtClean="0"/>
-              <a:t>set’</a:t>
-            </a:r>
-            <a:endParaRPr lang="en-US" dirty="0" smtClean="0"/>
+              <a:t>: 'pop from an empty set’</a:t>
+            </a:r>
           </a:p>
           <a:p>
             <a:endParaRPr lang="en-US" dirty="0" smtClean="0"/>
